--- a/ppt/Sepsis Analysis and Prediction.pptx
+++ b/ppt/Sepsis Analysis and Prediction.pptx
@@ -19,6 +19,7 @@
     <p:sldId id="266" r:id="rId14"/>
     <p:sldId id="267" r:id="rId15"/>
     <p:sldId id="268" r:id="rId16"/>
+    <p:sldId id="269" r:id="rId17"/>
   </p:sldIdLst>
   <p:sldSz cx="12192000" cy="6858000"/>
   <p:notesSz cx="7559675" cy="10691812"/>
@@ -66,7 +67,7 @@
       </p:grpSpPr>
       <p:sp>
         <p:nvSpPr>
-          <p:cNvPr id="26" name="PlaceHolder 1"/>
+          <p:cNvPr id="23" name="PlaceHolder 1"/>
           <p:cNvSpPr>
             <a:spLocks noGrp="1"/>
           </p:cNvSpPr>
@@ -76,8 +77,8 @@
         </p:nvSpPr>
         <p:spPr>
           <a:xfrm>
-            <a:off x="838080" y="365040"/>
-            <a:ext cx="10515240" cy="1325160"/>
+            <a:off x="609480" y="273600"/>
+            <a:ext cx="10972440" cy="1144800"/>
           </a:xfrm>
           <a:prstGeom prst="rect">
             <a:avLst/>
@@ -88,18 +89,16 @@
             <a:noAutofit/>
           </a:bodyPr>
           <a:p>
-            <a:endParaRPr b="0" lang="en-US" sz="1800" spc="-1" strike="noStrike">
-              <a:solidFill>
-                <a:srgbClr val="000000"/>
-              </a:solidFill>
-              <a:latin typeface="Calibri"/>
-            </a:endParaRPr>
-          </a:p>
-        </p:txBody>
-      </p:sp>
-      <p:sp>
-        <p:nvSpPr>
-          <p:cNvPr id="27" name="PlaceHolder 2"/>
+            <a:pPr algn="ctr"/>
+            <a:endParaRPr b="0" lang="en-IN" sz="4400" spc="-1" strike="noStrike">
+              <a:latin typeface="Arial"/>
+            </a:endParaRPr>
+          </a:p>
+        </p:txBody>
+      </p:sp>
+      <p:sp>
+        <p:nvSpPr>
+          <p:cNvPr id="24" name="PlaceHolder 2"/>
           <p:cNvSpPr>
             <a:spLocks noGrp="1"/>
           </p:cNvSpPr>
@@ -109,8 +108,8 @@
         </p:nvSpPr>
         <p:spPr>
           <a:xfrm>
-            <a:off x="838080" y="1825560"/>
-            <a:ext cx="10515240" cy="2075040"/>
+            <a:off x="609480" y="1604520"/>
+            <a:ext cx="10972440" cy="1896840"/>
           </a:xfrm>
           <a:prstGeom prst="rect">
             <a:avLst/>
@@ -121,18 +120,15 @@
             <a:normAutofit/>
           </a:bodyPr>
           <a:p>
-            <a:endParaRPr b="0" lang="en-US" sz="2800" spc="-1" strike="noStrike">
-              <a:solidFill>
-                <a:srgbClr val="000000"/>
-              </a:solidFill>
-              <a:latin typeface="Calibri"/>
-            </a:endParaRPr>
-          </a:p>
-        </p:txBody>
-      </p:sp>
-      <p:sp>
-        <p:nvSpPr>
-          <p:cNvPr id="28" name="PlaceHolder 3"/>
+            <a:endParaRPr b="0" lang="en-IN" sz="3200" spc="-1" strike="noStrike">
+              <a:latin typeface="Arial"/>
+            </a:endParaRPr>
+          </a:p>
+        </p:txBody>
+      </p:sp>
+      <p:sp>
+        <p:nvSpPr>
+          <p:cNvPr id="25" name="PlaceHolder 3"/>
           <p:cNvSpPr>
             <a:spLocks noGrp="1"/>
           </p:cNvSpPr>
@@ -142,8 +138,8 @@
         </p:nvSpPr>
         <p:spPr>
           <a:xfrm>
-            <a:off x="838080" y="4098240"/>
-            <a:ext cx="10515240" cy="2075040"/>
+            <a:off x="609480" y="3682080"/>
+            <a:ext cx="10972440" cy="1896840"/>
           </a:xfrm>
           <a:prstGeom prst="rect">
             <a:avLst/>
@@ -154,11 +150,8 @@
             <a:normAutofit/>
           </a:bodyPr>
           <a:p>
-            <a:endParaRPr b="0" lang="en-US" sz="2800" spc="-1" strike="noStrike">
-              <a:solidFill>
-                <a:srgbClr val="000000"/>
-              </a:solidFill>
-              <a:latin typeface="Calibri"/>
+            <a:endParaRPr b="0" lang="en-IN" sz="3200" spc="-1" strike="noStrike">
+              <a:latin typeface="Arial"/>
             </a:endParaRPr>
           </a:p>
         </p:txBody>
@@ -187,7 +180,7 @@
       </p:grpSpPr>
       <p:sp>
         <p:nvSpPr>
-          <p:cNvPr id="29" name="PlaceHolder 1"/>
+          <p:cNvPr id="26" name="PlaceHolder 1"/>
           <p:cNvSpPr>
             <a:spLocks noGrp="1"/>
           </p:cNvSpPr>
@@ -197,8 +190,8 @@
         </p:nvSpPr>
         <p:spPr>
           <a:xfrm>
-            <a:off x="838080" y="365040"/>
-            <a:ext cx="10515240" cy="1325160"/>
+            <a:off x="609480" y="273600"/>
+            <a:ext cx="10972440" cy="1144800"/>
           </a:xfrm>
           <a:prstGeom prst="rect">
             <a:avLst/>
@@ -209,18 +202,16 @@
             <a:noAutofit/>
           </a:bodyPr>
           <a:p>
-            <a:endParaRPr b="0" lang="en-US" sz="1800" spc="-1" strike="noStrike">
-              <a:solidFill>
-                <a:srgbClr val="000000"/>
-              </a:solidFill>
-              <a:latin typeface="Calibri"/>
-            </a:endParaRPr>
-          </a:p>
-        </p:txBody>
-      </p:sp>
-      <p:sp>
-        <p:nvSpPr>
-          <p:cNvPr id="30" name="PlaceHolder 2"/>
+            <a:pPr algn="ctr"/>
+            <a:endParaRPr b="0" lang="en-IN" sz="4400" spc="-1" strike="noStrike">
+              <a:latin typeface="Arial"/>
+            </a:endParaRPr>
+          </a:p>
+        </p:txBody>
+      </p:sp>
+      <p:sp>
+        <p:nvSpPr>
+          <p:cNvPr id="27" name="PlaceHolder 2"/>
           <p:cNvSpPr>
             <a:spLocks noGrp="1"/>
           </p:cNvSpPr>
@@ -230,8 +221,8 @@
         </p:nvSpPr>
         <p:spPr>
           <a:xfrm>
-            <a:off x="838080" y="1825560"/>
-            <a:ext cx="5131080" cy="2075040"/>
+            <a:off x="609480" y="1604520"/>
+            <a:ext cx="5354280" cy="1896840"/>
           </a:xfrm>
           <a:prstGeom prst="rect">
             <a:avLst/>
@@ -242,18 +233,15 @@
             <a:normAutofit/>
           </a:bodyPr>
           <a:p>
-            <a:endParaRPr b="0" lang="en-US" sz="2800" spc="-1" strike="noStrike">
-              <a:solidFill>
-                <a:srgbClr val="000000"/>
-              </a:solidFill>
-              <a:latin typeface="Calibri"/>
-            </a:endParaRPr>
-          </a:p>
-        </p:txBody>
-      </p:sp>
-      <p:sp>
-        <p:nvSpPr>
-          <p:cNvPr id="31" name="PlaceHolder 3"/>
+            <a:endParaRPr b="0" lang="en-IN" sz="3200" spc="-1" strike="noStrike">
+              <a:latin typeface="Arial"/>
+            </a:endParaRPr>
+          </a:p>
+        </p:txBody>
+      </p:sp>
+      <p:sp>
+        <p:nvSpPr>
+          <p:cNvPr id="28" name="PlaceHolder 3"/>
           <p:cNvSpPr>
             <a:spLocks noGrp="1"/>
           </p:cNvSpPr>
@@ -263,8 +251,8 @@
         </p:nvSpPr>
         <p:spPr>
           <a:xfrm>
-            <a:off x="6226200" y="1825560"/>
-            <a:ext cx="5131080" cy="2075040"/>
+            <a:off x="6231960" y="1604520"/>
+            <a:ext cx="5354280" cy="1896840"/>
           </a:xfrm>
           <a:prstGeom prst="rect">
             <a:avLst/>
@@ -275,18 +263,15 @@
             <a:normAutofit/>
           </a:bodyPr>
           <a:p>
-            <a:endParaRPr b="0" lang="en-US" sz="2800" spc="-1" strike="noStrike">
-              <a:solidFill>
-                <a:srgbClr val="000000"/>
-              </a:solidFill>
-              <a:latin typeface="Calibri"/>
-            </a:endParaRPr>
-          </a:p>
-        </p:txBody>
-      </p:sp>
-      <p:sp>
-        <p:nvSpPr>
-          <p:cNvPr id="32" name="PlaceHolder 4"/>
+            <a:endParaRPr b="0" lang="en-IN" sz="3200" spc="-1" strike="noStrike">
+              <a:latin typeface="Arial"/>
+            </a:endParaRPr>
+          </a:p>
+        </p:txBody>
+      </p:sp>
+      <p:sp>
+        <p:nvSpPr>
+          <p:cNvPr id="29" name="PlaceHolder 4"/>
           <p:cNvSpPr>
             <a:spLocks noGrp="1"/>
           </p:cNvSpPr>
@@ -296,8 +281,8 @@
         </p:nvSpPr>
         <p:spPr>
           <a:xfrm>
-            <a:off x="838080" y="4098240"/>
-            <a:ext cx="5131080" cy="2075040"/>
+            <a:off x="609480" y="3682080"/>
+            <a:ext cx="5354280" cy="1896840"/>
           </a:xfrm>
           <a:prstGeom prst="rect">
             <a:avLst/>
@@ -308,18 +293,15 @@
             <a:normAutofit/>
           </a:bodyPr>
           <a:p>
-            <a:endParaRPr b="0" lang="en-US" sz="2800" spc="-1" strike="noStrike">
-              <a:solidFill>
-                <a:srgbClr val="000000"/>
-              </a:solidFill>
-              <a:latin typeface="Calibri"/>
-            </a:endParaRPr>
-          </a:p>
-        </p:txBody>
-      </p:sp>
-      <p:sp>
-        <p:nvSpPr>
-          <p:cNvPr id="33" name="PlaceHolder 5"/>
+            <a:endParaRPr b="0" lang="en-IN" sz="3200" spc="-1" strike="noStrike">
+              <a:latin typeface="Arial"/>
+            </a:endParaRPr>
+          </a:p>
+        </p:txBody>
+      </p:sp>
+      <p:sp>
+        <p:nvSpPr>
+          <p:cNvPr id="30" name="PlaceHolder 5"/>
           <p:cNvSpPr>
             <a:spLocks noGrp="1"/>
           </p:cNvSpPr>
@@ -329,8 +311,8 @@
         </p:nvSpPr>
         <p:spPr>
           <a:xfrm>
-            <a:off x="6226200" y="4098240"/>
-            <a:ext cx="5131080" cy="2075040"/>
+            <a:off x="6231960" y="3682080"/>
+            <a:ext cx="5354280" cy="1896840"/>
           </a:xfrm>
           <a:prstGeom prst="rect">
             <a:avLst/>
@@ -341,11 +323,8 @@
             <a:normAutofit/>
           </a:bodyPr>
           <a:p>
-            <a:endParaRPr b="0" lang="en-US" sz="2800" spc="-1" strike="noStrike">
-              <a:solidFill>
-                <a:srgbClr val="000000"/>
-              </a:solidFill>
-              <a:latin typeface="Calibri"/>
+            <a:endParaRPr b="0" lang="en-IN" sz="3200" spc="-1" strike="noStrike">
+              <a:latin typeface="Arial"/>
             </a:endParaRPr>
           </a:p>
         </p:txBody>
@@ -374,7 +353,7 @@
       </p:grpSpPr>
       <p:sp>
         <p:nvSpPr>
-          <p:cNvPr id="34" name="PlaceHolder 1"/>
+          <p:cNvPr id="31" name="PlaceHolder 1"/>
           <p:cNvSpPr>
             <a:spLocks noGrp="1"/>
           </p:cNvSpPr>
@@ -384,8 +363,8 @@
         </p:nvSpPr>
         <p:spPr>
           <a:xfrm>
-            <a:off x="838080" y="365040"/>
-            <a:ext cx="10515240" cy="1325160"/>
+            <a:off x="609480" y="273600"/>
+            <a:ext cx="10972440" cy="1144800"/>
           </a:xfrm>
           <a:prstGeom prst="rect">
             <a:avLst/>
@@ -396,18 +375,16 @@
             <a:noAutofit/>
           </a:bodyPr>
           <a:p>
-            <a:endParaRPr b="0" lang="en-US" sz="1800" spc="-1" strike="noStrike">
-              <a:solidFill>
-                <a:srgbClr val="000000"/>
-              </a:solidFill>
-              <a:latin typeface="Calibri"/>
-            </a:endParaRPr>
-          </a:p>
-        </p:txBody>
-      </p:sp>
-      <p:sp>
-        <p:nvSpPr>
-          <p:cNvPr id="35" name="PlaceHolder 2"/>
+            <a:pPr algn="ctr"/>
+            <a:endParaRPr b="0" lang="en-IN" sz="4400" spc="-1" strike="noStrike">
+              <a:latin typeface="Arial"/>
+            </a:endParaRPr>
+          </a:p>
+        </p:txBody>
+      </p:sp>
+      <p:sp>
+        <p:nvSpPr>
+          <p:cNvPr id="32" name="PlaceHolder 2"/>
           <p:cNvSpPr>
             <a:spLocks noGrp="1"/>
           </p:cNvSpPr>
@@ -417,8 +394,8 @@
         </p:nvSpPr>
         <p:spPr>
           <a:xfrm>
-            <a:off x="838080" y="1825560"/>
-            <a:ext cx="3385800" cy="2075040"/>
+            <a:off x="609480" y="1604520"/>
+            <a:ext cx="3533040" cy="1896840"/>
           </a:xfrm>
           <a:prstGeom prst="rect">
             <a:avLst/>
@@ -429,18 +406,15 @@
             <a:normAutofit/>
           </a:bodyPr>
           <a:p>
-            <a:endParaRPr b="0" lang="en-US" sz="2800" spc="-1" strike="noStrike">
-              <a:solidFill>
-                <a:srgbClr val="000000"/>
-              </a:solidFill>
-              <a:latin typeface="Calibri"/>
-            </a:endParaRPr>
-          </a:p>
-        </p:txBody>
-      </p:sp>
-      <p:sp>
-        <p:nvSpPr>
-          <p:cNvPr id="36" name="PlaceHolder 3"/>
+            <a:endParaRPr b="0" lang="en-IN" sz="3200" spc="-1" strike="noStrike">
+              <a:latin typeface="Arial"/>
+            </a:endParaRPr>
+          </a:p>
+        </p:txBody>
+      </p:sp>
+      <p:sp>
+        <p:nvSpPr>
+          <p:cNvPr id="33" name="PlaceHolder 3"/>
           <p:cNvSpPr>
             <a:spLocks noGrp="1"/>
           </p:cNvSpPr>
@@ -450,8 +424,8 @@
         </p:nvSpPr>
         <p:spPr>
           <a:xfrm>
-            <a:off x="4393440" y="1825560"/>
-            <a:ext cx="3385800" cy="2075040"/>
+            <a:off x="4319640" y="1604520"/>
+            <a:ext cx="3533040" cy="1896840"/>
           </a:xfrm>
           <a:prstGeom prst="rect">
             <a:avLst/>
@@ -462,18 +436,15 @@
             <a:normAutofit/>
           </a:bodyPr>
           <a:p>
-            <a:endParaRPr b="0" lang="en-US" sz="2800" spc="-1" strike="noStrike">
-              <a:solidFill>
-                <a:srgbClr val="000000"/>
-              </a:solidFill>
-              <a:latin typeface="Calibri"/>
-            </a:endParaRPr>
-          </a:p>
-        </p:txBody>
-      </p:sp>
-      <p:sp>
-        <p:nvSpPr>
-          <p:cNvPr id="37" name="PlaceHolder 4"/>
+            <a:endParaRPr b="0" lang="en-IN" sz="3200" spc="-1" strike="noStrike">
+              <a:latin typeface="Arial"/>
+            </a:endParaRPr>
+          </a:p>
+        </p:txBody>
+      </p:sp>
+      <p:sp>
+        <p:nvSpPr>
+          <p:cNvPr id="34" name="PlaceHolder 4"/>
           <p:cNvSpPr>
             <a:spLocks noGrp="1"/>
           </p:cNvSpPr>
@@ -483,8 +454,8 @@
         </p:nvSpPr>
         <p:spPr>
           <a:xfrm>
-            <a:off x="7949160" y="1825560"/>
-            <a:ext cx="3385800" cy="2075040"/>
+            <a:off x="8029800" y="1604520"/>
+            <a:ext cx="3533040" cy="1896840"/>
           </a:xfrm>
           <a:prstGeom prst="rect">
             <a:avLst/>
@@ -495,18 +466,15 @@
             <a:normAutofit/>
           </a:bodyPr>
           <a:p>
-            <a:endParaRPr b="0" lang="en-US" sz="2800" spc="-1" strike="noStrike">
-              <a:solidFill>
-                <a:srgbClr val="000000"/>
-              </a:solidFill>
-              <a:latin typeface="Calibri"/>
-            </a:endParaRPr>
-          </a:p>
-        </p:txBody>
-      </p:sp>
-      <p:sp>
-        <p:nvSpPr>
-          <p:cNvPr id="38" name="PlaceHolder 5"/>
+            <a:endParaRPr b="0" lang="en-IN" sz="3200" spc="-1" strike="noStrike">
+              <a:latin typeface="Arial"/>
+            </a:endParaRPr>
+          </a:p>
+        </p:txBody>
+      </p:sp>
+      <p:sp>
+        <p:nvSpPr>
+          <p:cNvPr id="35" name="PlaceHolder 5"/>
           <p:cNvSpPr>
             <a:spLocks noGrp="1"/>
           </p:cNvSpPr>
@@ -516,8 +484,8 @@
         </p:nvSpPr>
         <p:spPr>
           <a:xfrm>
-            <a:off x="838080" y="4098240"/>
-            <a:ext cx="3385800" cy="2075040"/>
+            <a:off x="609480" y="3682080"/>
+            <a:ext cx="3533040" cy="1896840"/>
           </a:xfrm>
           <a:prstGeom prst="rect">
             <a:avLst/>
@@ -528,18 +496,15 @@
             <a:normAutofit/>
           </a:bodyPr>
           <a:p>
-            <a:endParaRPr b="0" lang="en-US" sz="2800" spc="-1" strike="noStrike">
-              <a:solidFill>
-                <a:srgbClr val="000000"/>
-              </a:solidFill>
-              <a:latin typeface="Calibri"/>
-            </a:endParaRPr>
-          </a:p>
-        </p:txBody>
-      </p:sp>
-      <p:sp>
-        <p:nvSpPr>
-          <p:cNvPr id="39" name="PlaceHolder 6"/>
+            <a:endParaRPr b="0" lang="en-IN" sz="3200" spc="-1" strike="noStrike">
+              <a:latin typeface="Arial"/>
+            </a:endParaRPr>
+          </a:p>
+        </p:txBody>
+      </p:sp>
+      <p:sp>
+        <p:nvSpPr>
+          <p:cNvPr id="36" name="PlaceHolder 6"/>
           <p:cNvSpPr>
             <a:spLocks noGrp="1"/>
           </p:cNvSpPr>
@@ -549,8 +514,8 @@
         </p:nvSpPr>
         <p:spPr>
           <a:xfrm>
-            <a:off x="4393440" y="4098240"/>
-            <a:ext cx="3385800" cy="2075040"/>
+            <a:off x="4319640" y="3682080"/>
+            <a:ext cx="3533040" cy="1896840"/>
           </a:xfrm>
           <a:prstGeom prst="rect">
             <a:avLst/>
@@ -561,18 +526,15 @@
             <a:normAutofit/>
           </a:bodyPr>
           <a:p>
-            <a:endParaRPr b="0" lang="en-US" sz="2800" spc="-1" strike="noStrike">
-              <a:solidFill>
-                <a:srgbClr val="000000"/>
-              </a:solidFill>
-              <a:latin typeface="Calibri"/>
-            </a:endParaRPr>
-          </a:p>
-        </p:txBody>
-      </p:sp>
-      <p:sp>
-        <p:nvSpPr>
-          <p:cNvPr id="40" name="PlaceHolder 7"/>
+            <a:endParaRPr b="0" lang="en-IN" sz="3200" spc="-1" strike="noStrike">
+              <a:latin typeface="Arial"/>
+            </a:endParaRPr>
+          </a:p>
+        </p:txBody>
+      </p:sp>
+      <p:sp>
+        <p:nvSpPr>
+          <p:cNvPr id="37" name="PlaceHolder 7"/>
           <p:cNvSpPr>
             <a:spLocks noGrp="1"/>
           </p:cNvSpPr>
@@ -582,8 +544,8 @@
         </p:nvSpPr>
         <p:spPr>
           <a:xfrm>
-            <a:off x="7949160" y="4098240"/>
-            <a:ext cx="3385800" cy="2075040"/>
+            <a:off x="8029800" y="3682080"/>
+            <a:ext cx="3533040" cy="1896840"/>
           </a:xfrm>
           <a:prstGeom prst="rect">
             <a:avLst/>
@@ -594,11 +556,8 @@
             <a:normAutofit/>
           </a:bodyPr>
           <a:p>
-            <a:endParaRPr b="0" lang="en-US" sz="2800" spc="-1" strike="noStrike">
-              <a:solidFill>
-                <a:srgbClr val="000000"/>
-              </a:solidFill>
-              <a:latin typeface="Calibri"/>
+            <a:endParaRPr b="0" lang="en-IN" sz="3200" spc="-1" strike="noStrike">
+              <a:latin typeface="Arial"/>
             </a:endParaRPr>
           </a:p>
         </p:txBody>
@@ -649,7 +608,7 @@
       </p:grpSpPr>
       <p:sp>
         <p:nvSpPr>
-          <p:cNvPr id="46" name="PlaceHolder 1"/>
+          <p:cNvPr id="40" name="PlaceHolder 1"/>
           <p:cNvSpPr>
             <a:spLocks noGrp="1"/>
           </p:cNvSpPr>
@@ -659,8 +618,8 @@
         </p:nvSpPr>
         <p:spPr>
           <a:xfrm>
-            <a:off x="838080" y="365040"/>
-            <a:ext cx="10515240" cy="1325160"/>
+            <a:off x="609480" y="273600"/>
+            <a:ext cx="10972440" cy="1144800"/>
           </a:xfrm>
           <a:prstGeom prst="rect">
             <a:avLst/>
@@ -671,18 +630,16 @@
             <a:noAutofit/>
           </a:bodyPr>
           <a:p>
-            <a:endParaRPr b="0" lang="en-US" sz="1800" spc="-1" strike="noStrike">
-              <a:solidFill>
-                <a:srgbClr val="000000"/>
-              </a:solidFill>
-              <a:latin typeface="Calibri"/>
-            </a:endParaRPr>
-          </a:p>
-        </p:txBody>
-      </p:sp>
-      <p:sp>
-        <p:nvSpPr>
-          <p:cNvPr id="47" name="PlaceHolder 2"/>
+            <a:pPr algn="ctr"/>
+            <a:endParaRPr b="0" lang="en-IN" sz="4400" spc="-1" strike="noStrike">
+              <a:latin typeface="Arial"/>
+            </a:endParaRPr>
+          </a:p>
+        </p:txBody>
+      </p:sp>
+      <p:sp>
+        <p:nvSpPr>
+          <p:cNvPr id="41" name="PlaceHolder 2"/>
           <p:cNvSpPr>
             <a:spLocks noGrp="1"/>
           </p:cNvSpPr>
@@ -692,8 +649,8 @@
         </p:nvSpPr>
         <p:spPr>
           <a:xfrm>
-            <a:off x="838080" y="1825560"/>
-            <a:ext cx="10515240" cy="4350960"/>
+            <a:off x="609480" y="1604520"/>
+            <a:ext cx="10972440" cy="3977280"/>
           </a:xfrm>
           <a:prstGeom prst="rect">
             <a:avLst/>
@@ -735,7 +692,7 @@
       </p:grpSpPr>
       <p:sp>
         <p:nvSpPr>
-          <p:cNvPr id="48" name="PlaceHolder 1"/>
+          <p:cNvPr id="42" name="PlaceHolder 1"/>
           <p:cNvSpPr>
             <a:spLocks noGrp="1"/>
           </p:cNvSpPr>
@@ -745,8 +702,8 @@
         </p:nvSpPr>
         <p:spPr>
           <a:xfrm>
-            <a:off x="838080" y="365040"/>
-            <a:ext cx="10515240" cy="1325160"/>
+            <a:off x="609480" y="273600"/>
+            <a:ext cx="10972440" cy="1144800"/>
           </a:xfrm>
           <a:prstGeom prst="rect">
             <a:avLst/>
@@ -757,18 +714,16 @@
             <a:noAutofit/>
           </a:bodyPr>
           <a:p>
-            <a:endParaRPr b="0" lang="en-US" sz="1800" spc="-1" strike="noStrike">
-              <a:solidFill>
-                <a:srgbClr val="000000"/>
-              </a:solidFill>
-              <a:latin typeface="Calibri"/>
-            </a:endParaRPr>
-          </a:p>
-        </p:txBody>
-      </p:sp>
-      <p:sp>
-        <p:nvSpPr>
-          <p:cNvPr id="49" name="PlaceHolder 2"/>
+            <a:pPr algn="ctr"/>
+            <a:endParaRPr b="0" lang="en-IN" sz="4400" spc="-1" strike="noStrike">
+              <a:latin typeface="Arial"/>
+            </a:endParaRPr>
+          </a:p>
+        </p:txBody>
+      </p:sp>
+      <p:sp>
+        <p:nvSpPr>
+          <p:cNvPr id="43" name="PlaceHolder 2"/>
           <p:cNvSpPr>
             <a:spLocks noGrp="1"/>
           </p:cNvSpPr>
@@ -778,8 +733,8 @@
         </p:nvSpPr>
         <p:spPr>
           <a:xfrm>
-            <a:off x="838080" y="1825560"/>
-            <a:ext cx="10515240" cy="4350960"/>
+            <a:off x="609480" y="1604520"/>
+            <a:ext cx="10972440" cy="3977280"/>
           </a:xfrm>
           <a:prstGeom prst="rect">
             <a:avLst/>
@@ -790,11 +745,8 @@
             <a:normAutofit/>
           </a:bodyPr>
           <a:p>
-            <a:endParaRPr b="0" lang="en-US" sz="2800" spc="-1" strike="noStrike">
-              <a:solidFill>
-                <a:srgbClr val="000000"/>
-              </a:solidFill>
-              <a:latin typeface="Calibri"/>
+            <a:endParaRPr b="0" lang="en-IN" sz="3200" spc="-1" strike="noStrike">
+              <a:latin typeface="Arial"/>
             </a:endParaRPr>
           </a:p>
         </p:txBody>
@@ -823,7 +775,7 @@
       </p:grpSpPr>
       <p:sp>
         <p:nvSpPr>
-          <p:cNvPr id="50" name="PlaceHolder 1"/>
+          <p:cNvPr id="44" name="PlaceHolder 1"/>
           <p:cNvSpPr>
             <a:spLocks noGrp="1"/>
           </p:cNvSpPr>
@@ -833,8 +785,8 @@
         </p:nvSpPr>
         <p:spPr>
           <a:xfrm>
-            <a:off x="838080" y="365040"/>
-            <a:ext cx="10515240" cy="1325160"/>
+            <a:off x="609480" y="273600"/>
+            <a:ext cx="10972440" cy="1144800"/>
           </a:xfrm>
           <a:prstGeom prst="rect">
             <a:avLst/>
@@ -845,18 +797,16 @@
             <a:noAutofit/>
           </a:bodyPr>
           <a:p>
-            <a:endParaRPr b="0" lang="en-US" sz="1800" spc="-1" strike="noStrike">
-              <a:solidFill>
-                <a:srgbClr val="000000"/>
-              </a:solidFill>
-              <a:latin typeface="Calibri"/>
-            </a:endParaRPr>
-          </a:p>
-        </p:txBody>
-      </p:sp>
-      <p:sp>
-        <p:nvSpPr>
-          <p:cNvPr id="51" name="PlaceHolder 2"/>
+            <a:pPr algn="ctr"/>
+            <a:endParaRPr b="0" lang="en-IN" sz="4400" spc="-1" strike="noStrike">
+              <a:latin typeface="Arial"/>
+            </a:endParaRPr>
+          </a:p>
+        </p:txBody>
+      </p:sp>
+      <p:sp>
+        <p:nvSpPr>
+          <p:cNvPr id="45" name="PlaceHolder 2"/>
           <p:cNvSpPr>
             <a:spLocks noGrp="1"/>
           </p:cNvSpPr>
@@ -866,8 +816,8 @@
         </p:nvSpPr>
         <p:spPr>
           <a:xfrm>
-            <a:off x="838080" y="1825560"/>
-            <a:ext cx="5131080" cy="4350960"/>
+            <a:off x="609480" y="1604520"/>
+            <a:ext cx="5354280" cy="3977280"/>
           </a:xfrm>
           <a:prstGeom prst="rect">
             <a:avLst/>
@@ -878,18 +828,15 @@
             <a:normAutofit/>
           </a:bodyPr>
           <a:p>
-            <a:endParaRPr b="0" lang="en-US" sz="2800" spc="-1" strike="noStrike">
-              <a:solidFill>
-                <a:srgbClr val="000000"/>
-              </a:solidFill>
-              <a:latin typeface="Calibri"/>
-            </a:endParaRPr>
-          </a:p>
-        </p:txBody>
-      </p:sp>
-      <p:sp>
-        <p:nvSpPr>
-          <p:cNvPr id="52" name="PlaceHolder 3"/>
+            <a:endParaRPr b="0" lang="en-IN" sz="3200" spc="-1" strike="noStrike">
+              <a:latin typeface="Arial"/>
+            </a:endParaRPr>
+          </a:p>
+        </p:txBody>
+      </p:sp>
+      <p:sp>
+        <p:nvSpPr>
+          <p:cNvPr id="46" name="PlaceHolder 3"/>
           <p:cNvSpPr>
             <a:spLocks noGrp="1"/>
           </p:cNvSpPr>
@@ -899,8 +846,8 @@
         </p:nvSpPr>
         <p:spPr>
           <a:xfrm>
-            <a:off x="6226200" y="1825560"/>
-            <a:ext cx="5131080" cy="4350960"/>
+            <a:off x="6231960" y="1604520"/>
+            <a:ext cx="5354280" cy="3977280"/>
           </a:xfrm>
           <a:prstGeom prst="rect">
             <a:avLst/>
@@ -911,11 +858,8 @@
             <a:normAutofit/>
           </a:bodyPr>
           <a:p>
-            <a:endParaRPr b="0" lang="en-US" sz="2800" spc="-1" strike="noStrike">
-              <a:solidFill>
-                <a:srgbClr val="000000"/>
-              </a:solidFill>
-              <a:latin typeface="Calibri"/>
+            <a:endParaRPr b="0" lang="en-IN" sz="3200" spc="-1" strike="noStrike">
+              <a:latin typeface="Arial"/>
             </a:endParaRPr>
           </a:p>
         </p:txBody>
@@ -944,7 +888,7 @@
       </p:grpSpPr>
       <p:sp>
         <p:nvSpPr>
-          <p:cNvPr id="53" name="PlaceHolder 1"/>
+          <p:cNvPr id="47" name="PlaceHolder 1"/>
           <p:cNvSpPr>
             <a:spLocks noGrp="1"/>
           </p:cNvSpPr>
@@ -954,8 +898,8 @@
         </p:nvSpPr>
         <p:spPr>
           <a:xfrm>
-            <a:off x="838080" y="365040"/>
-            <a:ext cx="10515240" cy="1325160"/>
+            <a:off x="609480" y="273600"/>
+            <a:ext cx="10972440" cy="1144800"/>
           </a:xfrm>
           <a:prstGeom prst="rect">
             <a:avLst/>
@@ -966,11 +910,9 @@
             <a:noAutofit/>
           </a:bodyPr>
           <a:p>
-            <a:endParaRPr b="0" lang="en-US" sz="1800" spc="-1" strike="noStrike">
-              <a:solidFill>
-                <a:srgbClr val="000000"/>
-              </a:solidFill>
-              <a:latin typeface="Calibri"/>
+            <a:pPr algn="ctr"/>
+            <a:endParaRPr b="0" lang="en-IN" sz="4400" spc="-1" strike="noStrike">
+              <a:latin typeface="Arial"/>
             </a:endParaRPr>
           </a:p>
         </p:txBody>
@@ -999,7 +941,7 @@
       </p:grpSpPr>
       <p:sp>
         <p:nvSpPr>
-          <p:cNvPr id="54" name="PlaceHolder 1"/>
+          <p:cNvPr id="48" name="PlaceHolder 1"/>
           <p:cNvSpPr>
             <a:spLocks noGrp="1"/>
           </p:cNvSpPr>
@@ -1009,8 +951,8 @@
         </p:nvSpPr>
         <p:spPr>
           <a:xfrm>
-            <a:off x="838080" y="365040"/>
-            <a:ext cx="10515240" cy="6144120"/>
+            <a:off x="609480" y="273600"/>
+            <a:ext cx="10972440" cy="5307840"/>
           </a:xfrm>
           <a:prstGeom prst="rect">
             <a:avLst/>
@@ -1052,7 +994,7 @@
       </p:grpSpPr>
       <p:sp>
         <p:nvSpPr>
-          <p:cNvPr id="55" name="PlaceHolder 1"/>
+          <p:cNvPr id="49" name="PlaceHolder 1"/>
           <p:cNvSpPr>
             <a:spLocks noGrp="1"/>
           </p:cNvSpPr>
@@ -1062,8 +1004,8 @@
         </p:nvSpPr>
         <p:spPr>
           <a:xfrm>
-            <a:off x="838080" y="365040"/>
-            <a:ext cx="10515240" cy="1325160"/>
+            <a:off x="609480" y="273600"/>
+            <a:ext cx="10972440" cy="1144800"/>
           </a:xfrm>
           <a:prstGeom prst="rect">
             <a:avLst/>
@@ -1074,18 +1016,16 @@
             <a:noAutofit/>
           </a:bodyPr>
           <a:p>
-            <a:endParaRPr b="0" lang="en-US" sz="1800" spc="-1" strike="noStrike">
-              <a:solidFill>
-                <a:srgbClr val="000000"/>
-              </a:solidFill>
-              <a:latin typeface="Calibri"/>
-            </a:endParaRPr>
-          </a:p>
-        </p:txBody>
-      </p:sp>
-      <p:sp>
-        <p:nvSpPr>
-          <p:cNvPr id="56" name="PlaceHolder 2"/>
+            <a:pPr algn="ctr"/>
+            <a:endParaRPr b="0" lang="en-IN" sz="4400" spc="-1" strike="noStrike">
+              <a:latin typeface="Arial"/>
+            </a:endParaRPr>
+          </a:p>
+        </p:txBody>
+      </p:sp>
+      <p:sp>
+        <p:nvSpPr>
+          <p:cNvPr id="50" name="PlaceHolder 2"/>
           <p:cNvSpPr>
             <a:spLocks noGrp="1"/>
           </p:cNvSpPr>
@@ -1095,8 +1035,8 @@
         </p:nvSpPr>
         <p:spPr>
           <a:xfrm>
-            <a:off x="838080" y="1825560"/>
-            <a:ext cx="5131080" cy="2075040"/>
+            <a:off x="609480" y="1604520"/>
+            <a:ext cx="5354280" cy="1896840"/>
           </a:xfrm>
           <a:prstGeom prst="rect">
             <a:avLst/>
@@ -1107,18 +1047,15 @@
             <a:normAutofit/>
           </a:bodyPr>
           <a:p>
-            <a:endParaRPr b="0" lang="en-US" sz="2800" spc="-1" strike="noStrike">
-              <a:solidFill>
-                <a:srgbClr val="000000"/>
-              </a:solidFill>
-              <a:latin typeface="Calibri"/>
-            </a:endParaRPr>
-          </a:p>
-        </p:txBody>
-      </p:sp>
-      <p:sp>
-        <p:nvSpPr>
-          <p:cNvPr id="57" name="PlaceHolder 3"/>
+            <a:endParaRPr b="0" lang="en-IN" sz="3200" spc="-1" strike="noStrike">
+              <a:latin typeface="Arial"/>
+            </a:endParaRPr>
+          </a:p>
+        </p:txBody>
+      </p:sp>
+      <p:sp>
+        <p:nvSpPr>
+          <p:cNvPr id="51" name="PlaceHolder 3"/>
           <p:cNvSpPr>
             <a:spLocks noGrp="1"/>
           </p:cNvSpPr>
@@ -1128,8 +1065,8 @@
         </p:nvSpPr>
         <p:spPr>
           <a:xfrm>
-            <a:off x="6226200" y="1825560"/>
-            <a:ext cx="5131080" cy="4350960"/>
+            <a:off x="6231960" y="1604520"/>
+            <a:ext cx="5354280" cy="3977280"/>
           </a:xfrm>
           <a:prstGeom prst="rect">
             <a:avLst/>
@@ -1140,18 +1077,15 @@
             <a:normAutofit/>
           </a:bodyPr>
           <a:p>
-            <a:endParaRPr b="0" lang="en-US" sz="2800" spc="-1" strike="noStrike">
-              <a:solidFill>
-                <a:srgbClr val="000000"/>
-              </a:solidFill>
-              <a:latin typeface="Calibri"/>
-            </a:endParaRPr>
-          </a:p>
-        </p:txBody>
-      </p:sp>
-      <p:sp>
-        <p:nvSpPr>
-          <p:cNvPr id="58" name="PlaceHolder 4"/>
+            <a:endParaRPr b="0" lang="en-IN" sz="3200" spc="-1" strike="noStrike">
+              <a:latin typeface="Arial"/>
+            </a:endParaRPr>
+          </a:p>
+        </p:txBody>
+      </p:sp>
+      <p:sp>
+        <p:nvSpPr>
+          <p:cNvPr id="52" name="PlaceHolder 4"/>
           <p:cNvSpPr>
             <a:spLocks noGrp="1"/>
           </p:cNvSpPr>
@@ -1161,8 +1095,8 @@
         </p:nvSpPr>
         <p:spPr>
           <a:xfrm>
-            <a:off x="838080" y="4098240"/>
-            <a:ext cx="5131080" cy="2075040"/>
+            <a:off x="609480" y="3682080"/>
+            <a:ext cx="5354280" cy="1896840"/>
           </a:xfrm>
           <a:prstGeom prst="rect">
             <a:avLst/>
@@ -1173,11 +1107,8 @@
             <a:normAutofit/>
           </a:bodyPr>
           <a:p>
-            <a:endParaRPr b="0" lang="en-US" sz="2800" spc="-1" strike="noStrike">
-              <a:solidFill>
-                <a:srgbClr val="000000"/>
-              </a:solidFill>
-              <a:latin typeface="Calibri"/>
+            <a:endParaRPr b="0" lang="en-IN" sz="3200" spc="-1" strike="noStrike">
+              <a:latin typeface="Arial"/>
             </a:endParaRPr>
           </a:p>
         </p:txBody>
@@ -1206,7 +1137,7 @@
       </p:grpSpPr>
       <p:sp>
         <p:nvSpPr>
-          <p:cNvPr id="5" name="PlaceHolder 1"/>
+          <p:cNvPr id="2" name="PlaceHolder 1"/>
           <p:cNvSpPr>
             <a:spLocks noGrp="1"/>
           </p:cNvSpPr>
@@ -1216,8 +1147,8 @@
         </p:nvSpPr>
         <p:spPr>
           <a:xfrm>
-            <a:off x="838080" y="365040"/>
-            <a:ext cx="10515240" cy="1325160"/>
+            <a:off x="609480" y="273600"/>
+            <a:ext cx="10972440" cy="1144800"/>
           </a:xfrm>
           <a:prstGeom prst="rect">
             <a:avLst/>
@@ -1228,18 +1159,16 @@
             <a:noAutofit/>
           </a:bodyPr>
           <a:p>
-            <a:endParaRPr b="0" lang="en-US" sz="1800" spc="-1" strike="noStrike">
-              <a:solidFill>
-                <a:srgbClr val="000000"/>
-              </a:solidFill>
-              <a:latin typeface="Calibri"/>
-            </a:endParaRPr>
-          </a:p>
-        </p:txBody>
-      </p:sp>
-      <p:sp>
-        <p:nvSpPr>
-          <p:cNvPr id="6" name="PlaceHolder 2"/>
+            <a:pPr algn="ctr"/>
+            <a:endParaRPr b="0" lang="en-IN" sz="4400" spc="-1" strike="noStrike">
+              <a:latin typeface="Arial"/>
+            </a:endParaRPr>
+          </a:p>
+        </p:txBody>
+      </p:sp>
+      <p:sp>
+        <p:nvSpPr>
+          <p:cNvPr id="3" name="PlaceHolder 2"/>
           <p:cNvSpPr>
             <a:spLocks noGrp="1"/>
           </p:cNvSpPr>
@@ -1249,8 +1178,8 @@
         </p:nvSpPr>
         <p:spPr>
           <a:xfrm>
-            <a:off x="838080" y="1825560"/>
-            <a:ext cx="10515240" cy="4350960"/>
+            <a:off x="609480" y="1604520"/>
+            <a:ext cx="10972440" cy="3977280"/>
           </a:xfrm>
           <a:prstGeom prst="rect">
             <a:avLst/>
@@ -1292,7 +1221,7 @@
       </p:grpSpPr>
       <p:sp>
         <p:nvSpPr>
-          <p:cNvPr id="59" name="PlaceHolder 1"/>
+          <p:cNvPr id="53" name="PlaceHolder 1"/>
           <p:cNvSpPr>
             <a:spLocks noGrp="1"/>
           </p:cNvSpPr>
@@ -1302,8 +1231,8 @@
         </p:nvSpPr>
         <p:spPr>
           <a:xfrm>
-            <a:off x="838080" y="365040"/>
-            <a:ext cx="10515240" cy="1325160"/>
+            <a:off x="609480" y="273600"/>
+            <a:ext cx="10972440" cy="1144800"/>
           </a:xfrm>
           <a:prstGeom prst="rect">
             <a:avLst/>
@@ -1314,18 +1243,16 @@
             <a:noAutofit/>
           </a:bodyPr>
           <a:p>
-            <a:endParaRPr b="0" lang="en-US" sz="1800" spc="-1" strike="noStrike">
-              <a:solidFill>
-                <a:srgbClr val="000000"/>
-              </a:solidFill>
-              <a:latin typeface="Calibri"/>
-            </a:endParaRPr>
-          </a:p>
-        </p:txBody>
-      </p:sp>
-      <p:sp>
-        <p:nvSpPr>
-          <p:cNvPr id="60" name="PlaceHolder 2"/>
+            <a:pPr algn="ctr"/>
+            <a:endParaRPr b="0" lang="en-IN" sz="4400" spc="-1" strike="noStrike">
+              <a:latin typeface="Arial"/>
+            </a:endParaRPr>
+          </a:p>
+        </p:txBody>
+      </p:sp>
+      <p:sp>
+        <p:nvSpPr>
+          <p:cNvPr id="54" name="PlaceHolder 2"/>
           <p:cNvSpPr>
             <a:spLocks noGrp="1"/>
           </p:cNvSpPr>
@@ -1335,8 +1262,8 @@
         </p:nvSpPr>
         <p:spPr>
           <a:xfrm>
-            <a:off x="838080" y="1825560"/>
-            <a:ext cx="5131080" cy="4350960"/>
+            <a:off x="609480" y="1604520"/>
+            <a:ext cx="5354280" cy="3977280"/>
           </a:xfrm>
           <a:prstGeom prst="rect">
             <a:avLst/>
@@ -1347,18 +1274,15 @@
             <a:normAutofit/>
           </a:bodyPr>
           <a:p>
-            <a:endParaRPr b="0" lang="en-US" sz="2800" spc="-1" strike="noStrike">
-              <a:solidFill>
-                <a:srgbClr val="000000"/>
-              </a:solidFill>
-              <a:latin typeface="Calibri"/>
-            </a:endParaRPr>
-          </a:p>
-        </p:txBody>
-      </p:sp>
-      <p:sp>
-        <p:nvSpPr>
-          <p:cNvPr id="61" name="PlaceHolder 3"/>
+            <a:endParaRPr b="0" lang="en-IN" sz="3200" spc="-1" strike="noStrike">
+              <a:latin typeface="Arial"/>
+            </a:endParaRPr>
+          </a:p>
+        </p:txBody>
+      </p:sp>
+      <p:sp>
+        <p:nvSpPr>
+          <p:cNvPr id="55" name="PlaceHolder 3"/>
           <p:cNvSpPr>
             <a:spLocks noGrp="1"/>
           </p:cNvSpPr>
@@ -1368,8 +1292,8 @@
         </p:nvSpPr>
         <p:spPr>
           <a:xfrm>
-            <a:off x="6226200" y="1825560"/>
-            <a:ext cx="5131080" cy="2075040"/>
+            <a:off x="6231960" y="1604520"/>
+            <a:ext cx="5354280" cy="1896840"/>
           </a:xfrm>
           <a:prstGeom prst="rect">
             <a:avLst/>
@@ -1380,18 +1304,15 @@
             <a:normAutofit/>
           </a:bodyPr>
           <a:p>
-            <a:endParaRPr b="0" lang="en-US" sz="2800" spc="-1" strike="noStrike">
-              <a:solidFill>
-                <a:srgbClr val="000000"/>
-              </a:solidFill>
-              <a:latin typeface="Calibri"/>
-            </a:endParaRPr>
-          </a:p>
-        </p:txBody>
-      </p:sp>
-      <p:sp>
-        <p:nvSpPr>
-          <p:cNvPr id="62" name="PlaceHolder 4"/>
+            <a:endParaRPr b="0" lang="en-IN" sz="3200" spc="-1" strike="noStrike">
+              <a:latin typeface="Arial"/>
+            </a:endParaRPr>
+          </a:p>
+        </p:txBody>
+      </p:sp>
+      <p:sp>
+        <p:nvSpPr>
+          <p:cNvPr id="56" name="PlaceHolder 4"/>
           <p:cNvSpPr>
             <a:spLocks noGrp="1"/>
           </p:cNvSpPr>
@@ -1401,8 +1322,8 @@
         </p:nvSpPr>
         <p:spPr>
           <a:xfrm>
-            <a:off x="6226200" y="4098240"/>
-            <a:ext cx="5131080" cy="2075040"/>
+            <a:off x="6231960" y="3682080"/>
+            <a:ext cx="5354280" cy="1896840"/>
           </a:xfrm>
           <a:prstGeom prst="rect">
             <a:avLst/>
@@ -1413,11 +1334,8 @@
             <a:normAutofit/>
           </a:bodyPr>
           <a:p>
-            <a:endParaRPr b="0" lang="en-US" sz="2800" spc="-1" strike="noStrike">
-              <a:solidFill>
-                <a:srgbClr val="000000"/>
-              </a:solidFill>
-              <a:latin typeface="Calibri"/>
+            <a:endParaRPr b="0" lang="en-IN" sz="3200" spc="-1" strike="noStrike">
+              <a:latin typeface="Arial"/>
             </a:endParaRPr>
           </a:p>
         </p:txBody>
@@ -1446,7 +1364,7 @@
       </p:grpSpPr>
       <p:sp>
         <p:nvSpPr>
-          <p:cNvPr id="63" name="PlaceHolder 1"/>
+          <p:cNvPr id="57" name="PlaceHolder 1"/>
           <p:cNvSpPr>
             <a:spLocks noGrp="1"/>
           </p:cNvSpPr>
@@ -1456,8 +1374,8 @@
         </p:nvSpPr>
         <p:spPr>
           <a:xfrm>
-            <a:off x="838080" y="365040"/>
-            <a:ext cx="10515240" cy="1325160"/>
+            <a:off x="609480" y="273600"/>
+            <a:ext cx="10972440" cy="1144800"/>
           </a:xfrm>
           <a:prstGeom prst="rect">
             <a:avLst/>
@@ -1468,18 +1386,16 @@
             <a:noAutofit/>
           </a:bodyPr>
           <a:p>
-            <a:endParaRPr b="0" lang="en-US" sz="1800" spc="-1" strike="noStrike">
-              <a:solidFill>
-                <a:srgbClr val="000000"/>
-              </a:solidFill>
-              <a:latin typeface="Calibri"/>
-            </a:endParaRPr>
-          </a:p>
-        </p:txBody>
-      </p:sp>
-      <p:sp>
-        <p:nvSpPr>
-          <p:cNvPr id="64" name="PlaceHolder 2"/>
+            <a:pPr algn="ctr"/>
+            <a:endParaRPr b="0" lang="en-IN" sz="4400" spc="-1" strike="noStrike">
+              <a:latin typeface="Arial"/>
+            </a:endParaRPr>
+          </a:p>
+        </p:txBody>
+      </p:sp>
+      <p:sp>
+        <p:nvSpPr>
+          <p:cNvPr id="58" name="PlaceHolder 2"/>
           <p:cNvSpPr>
             <a:spLocks noGrp="1"/>
           </p:cNvSpPr>
@@ -1489,8 +1405,8 @@
         </p:nvSpPr>
         <p:spPr>
           <a:xfrm>
-            <a:off x="838080" y="1825560"/>
-            <a:ext cx="5131080" cy="2075040"/>
+            <a:off x="609480" y="1604520"/>
+            <a:ext cx="5354280" cy="1896840"/>
           </a:xfrm>
           <a:prstGeom prst="rect">
             <a:avLst/>
@@ -1501,18 +1417,15 @@
             <a:normAutofit/>
           </a:bodyPr>
           <a:p>
-            <a:endParaRPr b="0" lang="en-US" sz="2800" spc="-1" strike="noStrike">
-              <a:solidFill>
-                <a:srgbClr val="000000"/>
-              </a:solidFill>
-              <a:latin typeface="Calibri"/>
-            </a:endParaRPr>
-          </a:p>
-        </p:txBody>
-      </p:sp>
-      <p:sp>
-        <p:nvSpPr>
-          <p:cNvPr id="65" name="PlaceHolder 3"/>
+            <a:endParaRPr b="0" lang="en-IN" sz="3200" spc="-1" strike="noStrike">
+              <a:latin typeface="Arial"/>
+            </a:endParaRPr>
+          </a:p>
+        </p:txBody>
+      </p:sp>
+      <p:sp>
+        <p:nvSpPr>
+          <p:cNvPr id="59" name="PlaceHolder 3"/>
           <p:cNvSpPr>
             <a:spLocks noGrp="1"/>
           </p:cNvSpPr>
@@ -1522,8 +1435,8 @@
         </p:nvSpPr>
         <p:spPr>
           <a:xfrm>
-            <a:off x="6226200" y="1825560"/>
-            <a:ext cx="5131080" cy="2075040"/>
+            <a:off x="6231960" y="1604520"/>
+            <a:ext cx="5354280" cy="1896840"/>
           </a:xfrm>
           <a:prstGeom prst="rect">
             <a:avLst/>
@@ -1534,18 +1447,15 @@
             <a:normAutofit/>
           </a:bodyPr>
           <a:p>
-            <a:endParaRPr b="0" lang="en-US" sz="2800" spc="-1" strike="noStrike">
-              <a:solidFill>
-                <a:srgbClr val="000000"/>
-              </a:solidFill>
-              <a:latin typeface="Calibri"/>
-            </a:endParaRPr>
-          </a:p>
-        </p:txBody>
-      </p:sp>
-      <p:sp>
-        <p:nvSpPr>
-          <p:cNvPr id="66" name="PlaceHolder 4"/>
+            <a:endParaRPr b="0" lang="en-IN" sz="3200" spc="-1" strike="noStrike">
+              <a:latin typeface="Arial"/>
+            </a:endParaRPr>
+          </a:p>
+        </p:txBody>
+      </p:sp>
+      <p:sp>
+        <p:nvSpPr>
+          <p:cNvPr id="60" name="PlaceHolder 4"/>
           <p:cNvSpPr>
             <a:spLocks noGrp="1"/>
           </p:cNvSpPr>
@@ -1555,8 +1465,8 @@
         </p:nvSpPr>
         <p:spPr>
           <a:xfrm>
-            <a:off x="838080" y="4098240"/>
-            <a:ext cx="10515240" cy="2075040"/>
+            <a:off x="609480" y="3682080"/>
+            <a:ext cx="10972440" cy="1896840"/>
           </a:xfrm>
           <a:prstGeom prst="rect">
             <a:avLst/>
@@ -1567,11 +1477,8 @@
             <a:normAutofit/>
           </a:bodyPr>
           <a:p>
-            <a:endParaRPr b="0" lang="en-US" sz="2800" spc="-1" strike="noStrike">
-              <a:solidFill>
-                <a:srgbClr val="000000"/>
-              </a:solidFill>
-              <a:latin typeface="Calibri"/>
+            <a:endParaRPr b="0" lang="en-IN" sz="3200" spc="-1" strike="noStrike">
+              <a:latin typeface="Arial"/>
             </a:endParaRPr>
           </a:p>
         </p:txBody>
@@ -1600,7 +1507,7 @@
       </p:grpSpPr>
       <p:sp>
         <p:nvSpPr>
-          <p:cNvPr id="67" name="PlaceHolder 1"/>
+          <p:cNvPr id="61" name="PlaceHolder 1"/>
           <p:cNvSpPr>
             <a:spLocks noGrp="1"/>
           </p:cNvSpPr>
@@ -1610,8 +1517,8 @@
         </p:nvSpPr>
         <p:spPr>
           <a:xfrm>
-            <a:off x="838080" y="365040"/>
-            <a:ext cx="10515240" cy="1325160"/>
+            <a:off x="609480" y="273600"/>
+            <a:ext cx="10972440" cy="1144800"/>
           </a:xfrm>
           <a:prstGeom prst="rect">
             <a:avLst/>
@@ -1622,18 +1529,16 @@
             <a:noAutofit/>
           </a:bodyPr>
           <a:p>
-            <a:endParaRPr b="0" lang="en-US" sz="1800" spc="-1" strike="noStrike">
-              <a:solidFill>
-                <a:srgbClr val="000000"/>
-              </a:solidFill>
-              <a:latin typeface="Calibri"/>
-            </a:endParaRPr>
-          </a:p>
-        </p:txBody>
-      </p:sp>
-      <p:sp>
-        <p:nvSpPr>
-          <p:cNvPr id="68" name="PlaceHolder 2"/>
+            <a:pPr algn="ctr"/>
+            <a:endParaRPr b="0" lang="en-IN" sz="4400" spc="-1" strike="noStrike">
+              <a:latin typeface="Arial"/>
+            </a:endParaRPr>
+          </a:p>
+        </p:txBody>
+      </p:sp>
+      <p:sp>
+        <p:nvSpPr>
+          <p:cNvPr id="62" name="PlaceHolder 2"/>
           <p:cNvSpPr>
             <a:spLocks noGrp="1"/>
           </p:cNvSpPr>
@@ -1643,8 +1548,8 @@
         </p:nvSpPr>
         <p:spPr>
           <a:xfrm>
-            <a:off x="838080" y="1825560"/>
-            <a:ext cx="10515240" cy="2075040"/>
+            <a:off x="609480" y="1604520"/>
+            <a:ext cx="10972440" cy="1896840"/>
           </a:xfrm>
           <a:prstGeom prst="rect">
             <a:avLst/>
@@ -1655,18 +1560,15 @@
             <a:normAutofit/>
           </a:bodyPr>
           <a:p>
-            <a:endParaRPr b="0" lang="en-US" sz="2800" spc="-1" strike="noStrike">
-              <a:solidFill>
-                <a:srgbClr val="000000"/>
-              </a:solidFill>
-              <a:latin typeface="Calibri"/>
-            </a:endParaRPr>
-          </a:p>
-        </p:txBody>
-      </p:sp>
-      <p:sp>
-        <p:nvSpPr>
-          <p:cNvPr id="69" name="PlaceHolder 3"/>
+            <a:endParaRPr b="0" lang="en-IN" sz="3200" spc="-1" strike="noStrike">
+              <a:latin typeface="Arial"/>
+            </a:endParaRPr>
+          </a:p>
+        </p:txBody>
+      </p:sp>
+      <p:sp>
+        <p:nvSpPr>
+          <p:cNvPr id="63" name="PlaceHolder 3"/>
           <p:cNvSpPr>
             <a:spLocks noGrp="1"/>
           </p:cNvSpPr>
@@ -1676,8 +1578,8 @@
         </p:nvSpPr>
         <p:spPr>
           <a:xfrm>
-            <a:off x="838080" y="4098240"/>
-            <a:ext cx="10515240" cy="2075040"/>
+            <a:off x="609480" y="3682080"/>
+            <a:ext cx="10972440" cy="1896840"/>
           </a:xfrm>
           <a:prstGeom prst="rect">
             <a:avLst/>
@@ -1688,11 +1590,8 @@
             <a:normAutofit/>
           </a:bodyPr>
           <a:p>
-            <a:endParaRPr b="0" lang="en-US" sz="2800" spc="-1" strike="noStrike">
-              <a:solidFill>
-                <a:srgbClr val="000000"/>
-              </a:solidFill>
-              <a:latin typeface="Calibri"/>
+            <a:endParaRPr b="0" lang="en-IN" sz="3200" spc="-1" strike="noStrike">
+              <a:latin typeface="Arial"/>
             </a:endParaRPr>
           </a:p>
         </p:txBody>
@@ -1721,7 +1620,7 @@
       </p:grpSpPr>
       <p:sp>
         <p:nvSpPr>
-          <p:cNvPr id="70" name="PlaceHolder 1"/>
+          <p:cNvPr id="64" name="PlaceHolder 1"/>
           <p:cNvSpPr>
             <a:spLocks noGrp="1"/>
           </p:cNvSpPr>
@@ -1731,8 +1630,8 @@
         </p:nvSpPr>
         <p:spPr>
           <a:xfrm>
-            <a:off x="838080" y="365040"/>
-            <a:ext cx="10515240" cy="1325160"/>
+            <a:off x="609480" y="273600"/>
+            <a:ext cx="10972440" cy="1144800"/>
           </a:xfrm>
           <a:prstGeom prst="rect">
             <a:avLst/>
@@ -1743,18 +1642,16 @@
             <a:noAutofit/>
           </a:bodyPr>
           <a:p>
-            <a:endParaRPr b="0" lang="en-US" sz="1800" spc="-1" strike="noStrike">
-              <a:solidFill>
-                <a:srgbClr val="000000"/>
-              </a:solidFill>
-              <a:latin typeface="Calibri"/>
-            </a:endParaRPr>
-          </a:p>
-        </p:txBody>
-      </p:sp>
-      <p:sp>
-        <p:nvSpPr>
-          <p:cNvPr id="71" name="PlaceHolder 2"/>
+            <a:pPr algn="ctr"/>
+            <a:endParaRPr b="0" lang="en-IN" sz="4400" spc="-1" strike="noStrike">
+              <a:latin typeface="Arial"/>
+            </a:endParaRPr>
+          </a:p>
+        </p:txBody>
+      </p:sp>
+      <p:sp>
+        <p:nvSpPr>
+          <p:cNvPr id="65" name="PlaceHolder 2"/>
           <p:cNvSpPr>
             <a:spLocks noGrp="1"/>
           </p:cNvSpPr>
@@ -1764,8 +1661,8 @@
         </p:nvSpPr>
         <p:spPr>
           <a:xfrm>
-            <a:off x="838080" y="1825560"/>
-            <a:ext cx="5131080" cy="2075040"/>
+            <a:off x="609480" y="1604520"/>
+            <a:ext cx="5354280" cy="1896840"/>
           </a:xfrm>
           <a:prstGeom prst="rect">
             <a:avLst/>
@@ -1776,18 +1673,15 @@
             <a:normAutofit/>
           </a:bodyPr>
           <a:p>
-            <a:endParaRPr b="0" lang="en-US" sz="2800" spc="-1" strike="noStrike">
-              <a:solidFill>
-                <a:srgbClr val="000000"/>
-              </a:solidFill>
-              <a:latin typeface="Calibri"/>
-            </a:endParaRPr>
-          </a:p>
-        </p:txBody>
-      </p:sp>
-      <p:sp>
-        <p:nvSpPr>
-          <p:cNvPr id="72" name="PlaceHolder 3"/>
+            <a:endParaRPr b="0" lang="en-IN" sz="3200" spc="-1" strike="noStrike">
+              <a:latin typeface="Arial"/>
+            </a:endParaRPr>
+          </a:p>
+        </p:txBody>
+      </p:sp>
+      <p:sp>
+        <p:nvSpPr>
+          <p:cNvPr id="66" name="PlaceHolder 3"/>
           <p:cNvSpPr>
             <a:spLocks noGrp="1"/>
           </p:cNvSpPr>
@@ -1797,8 +1691,8 @@
         </p:nvSpPr>
         <p:spPr>
           <a:xfrm>
-            <a:off x="6226200" y="1825560"/>
-            <a:ext cx="5131080" cy="2075040"/>
+            <a:off x="6231960" y="1604520"/>
+            <a:ext cx="5354280" cy="1896840"/>
           </a:xfrm>
           <a:prstGeom prst="rect">
             <a:avLst/>
@@ -1809,18 +1703,15 @@
             <a:normAutofit/>
           </a:bodyPr>
           <a:p>
-            <a:endParaRPr b="0" lang="en-US" sz="2800" spc="-1" strike="noStrike">
-              <a:solidFill>
-                <a:srgbClr val="000000"/>
-              </a:solidFill>
-              <a:latin typeface="Calibri"/>
-            </a:endParaRPr>
-          </a:p>
-        </p:txBody>
-      </p:sp>
-      <p:sp>
-        <p:nvSpPr>
-          <p:cNvPr id="73" name="PlaceHolder 4"/>
+            <a:endParaRPr b="0" lang="en-IN" sz="3200" spc="-1" strike="noStrike">
+              <a:latin typeface="Arial"/>
+            </a:endParaRPr>
+          </a:p>
+        </p:txBody>
+      </p:sp>
+      <p:sp>
+        <p:nvSpPr>
+          <p:cNvPr id="67" name="PlaceHolder 4"/>
           <p:cNvSpPr>
             <a:spLocks noGrp="1"/>
           </p:cNvSpPr>
@@ -1830,8 +1721,8 @@
         </p:nvSpPr>
         <p:spPr>
           <a:xfrm>
-            <a:off x="838080" y="4098240"/>
-            <a:ext cx="5131080" cy="2075040"/>
+            <a:off x="609480" y="3682080"/>
+            <a:ext cx="5354280" cy="1896840"/>
           </a:xfrm>
           <a:prstGeom prst="rect">
             <a:avLst/>
@@ -1842,18 +1733,15 @@
             <a:normAutofit/>
           </a:bodyPr>
           <a:p>
-            <a:endParaRPr b="0" lang="en-US" sz="2800" spc="-1" strike="noStrike">
-              <a:solidFill>
-                <a:srgbClr val="000000"/>
-              </a:solidFill>
-              <a:latin typeface="Calibri"/>
-            </a:endParaRPr>
-          </a:p>
-        </p:txBody>
-      </p:sp>
-      <p:sp>
-        <p:nvSpPr>
-          <p:cNvPr id="74" name="PlaceHolder 5"/>
+            <a:endParaRPr b="0" lang="en-IN" sz="3200" spc="-1" strike="noStrike">
+              <a:latin typeface="Arial"/>
+            </a:endParaRPr>
+          </a:p>
+        </p:txBody>
+      </p:sp>
+      <p:sp>
+        <p:nvSpPr>
+          <p:cNvPr id="68" name="PlaceHolder 5"/>
           <p:cNvSpPr>
             <a:spLocks noGrp="1"/>
           </p:cNvSpPr>
@@ -1863,8 +1751,8 @@
         </p:nvSpPr>
         <p:spPr>
           <a:xfrm>
-            <a:off x="6226200" y="4098240"/>
-            <a:ext cx="5131080" cy="2075040"/>
+            <a:off x="6231960" y="3682080"/>
+            <a:ext cx="5354280" cy="1896840"/>
           </a:xfrm>
           <a:prstGeom prst="rect">
             <a:avLst/>
@@ -1875,11 +1763,8 @@
             <a:normAutofit/>
           </a:bodyPr>
           <a:p>
-            <a:endParaRPr b="0" lang="en-US" sz="2800" spc="-1" strike="noStrike">
-              <a:solidFill>
-                <a:srgbClr val="000000"/>
-              </a:solidFill>
-              <a:latin typeface="Calibri"/>
+            <a:endParaRPr b="0" lang="en-IN" sz="3200" spc="-1" strike="noStrike">
+              <a:latin typeface="Arial"/>
             </a:endParaRPr>
           </a:p>
         </p:txBody>
@@ -1908,7 +1793,7 @@
       </p:grpSpPr>
       <p:sp>
         <p:nvSpPr>
-          <p:cNvPr id="75" name="PlaceHolder 1"/>
+          <p:cNvPr id="69" name="PlaceHolder 1"/>
           <p:cNvSpPr>
             <a:spLocks noGrp="1"/>
           </p:cNvSpPr>
@@ -1918,8 +1803,8 @@
         </p:nvSpPr>
         <p:spPr>
           <a:xfrm>
-            <a:off x="838080" y="365040"/>
-            <a:ext cx="10515240" cy="1325160"/>
+            <a:off x="609480" y="273600"/>
+            <a:ext cx="10972440" cy="1144800"/>
           </a:xfrm>
           <a:prstGeom prst="rect">
             <a:avLst/>
@@ -1930,18 +1815,16 @@
             <a:noAutofit/>
           </a:bodyPr>
           <a:p>
-            <a:endParaRPr b="0" lang="en-US" sz="1800" spc="-1" strike="noStrike">
-              <a:solidFill>
-                <a:srgbClr val="000000"/>
-              </a:solidFill>
-              <a:latin typeface="Calibri"/>
-            </a:endParaRPr>
-          </a:p>
-        </p:txBody>
-      </p:sp>
-      <p:sp>
-        <p:nvSpPr>
-          <p:cNvPr id="76" name="PlaceHolder 2"/>
+            <a:pPr algn="ctr"/>
+            <a:endParaRPr b="0" lang="en-IN" sz="4400" spc="-1" strike="noStrike">
+              <a:latin typeface="Arial"/>
+            </a:endParaRPr>
+          </a:p>
+        </p:txBody>
+      </p:sp>
+      <p:sp>
+        <p:nvSpPr>
+          <p:cNvPr id="70" name="PlaceHolder 2"/>
           <p:cNvSpPr>
             <a:spLocks noGrp="1"/>
           </p:cNvSpPr>
@@ -1951,8 +1834,8 @@
         </p:nvSpPr>
         <p:spPr>
           <a:xfrm>
-            <a:off x="838080" y="1825560"/>
-            <a:ext cx="3385800" cy="2075040"/>
+            <a:off x="609480" y="1604520"/>
+            <a:ext cx="3533040" cy="1896840"/>
           </a:xfrm>
           <a:prstGeom prst="rect">
             <a:avLst/>
@@ -1963,18 +1846,15 @@
             <a:normAutofit/>
           </a:bodyPr>
           <a:p>
-            <a:endParaRPr b="0" lang="en-US" sz="2800" spc="-1" strike="noStrike">
-              <a:solidFill>
-                <a:srgbClr val="000000"/>
-              </a:solidFill>
-              <a:latin typeface="Calibri"/>
-            </a:endParaRPr>
-          </a:p>
-        </p:txBody>
-      </p:sp>
-      <p:sp>
-        <p:nvSpPr>
-          <p:cNvPr id="77" name="PlaceHolder 3"/>
+            <a:endParaRPr b="0" lang="en-IN" sz="3200" spc="-1" strike="noStrike">
+              <a:latin typeface="Arial"/>
+            </a:endParaRPr>
+          </a:p>
+        </p:txBody>
+      </p:sp>
+      <p:sp>
+        <p:nvSpPr>
+          <p:cNvPr id="71" name="PlaceHolder 3"/>
           <p:cNvSpPr>
             <a:spLocks noGrp="1"/>
           </p:cNvSpPr>
@@ -1984,8 +1864,8 @@
         </p:nvSpPr>
         <p:spPr>
           <a:xfrm>
-            <a:off x="4393440" y="1825560"/>
-            <a:ext cx="3385800" cy="2075040"/>
+            <a:off x="4319640" y="1604520"/>
+            <a:ext cx="3533040" cy="1896840"/>
           </a:xfrm>
           <a:prstGeom prst="rect">
             <a:avLst/>
@@ -1996,18 +1876,15 @@
             <a:normAutofit/>
           </a:bodyPr>
           <a:p>
-            <a:endParaRPr b="0" lang="en-US" sz="2800" spc="-1" strike="noStrike">
-              <a:solidFill>
-                <a:srgbClr val="000000"/>
-              </a:solidFill>
-              <a:latin typeface="Calibri"/>
-            </a:endParaRPr>
-          </a:p>
-        </p:txBody>
-      </p:sp>
-      <p:sp>
-        <p:nvSpPr>
-          <p:cNvPr id="78" name="PlaceHolder 4"/>
+            <a:endParaRPr b="0" lang="en-IN" sz="3200" spc="-1" strike="noStrike">
+              <a:latin typeface="Arial"/>
+            </a:endParaRPr>
+          </a:p>
+        </p:txBody>
+      </p:sp>
+      <p:sp>
+        <p:nvSpPr>
+          <p:cNvPr id="72" name="PlaceHolder 4"/>
           <p:cNvSpPr>
             <a:spLocks noGrp="1"/>
           </p:cNvSpPr>
@@ -2017,8 +1894,8 @@
         </p:nvSpPr>
         <p:spPr>
           <a:xfrm>
-            <a:off x="7949160" y="1825560"/>
-            <a:ext cx="3385800" cy="2075040"/>
+            <a:off x="8029800" y="1604520"/>
+            <a:ext cx="3533040" cy="1896840"/>
           </a:xfrm>
           <a:prstGeom prst="rect">
             <a:avLst/>
@@ -2029,18 +1906,15 @@
             <a:normAutofit/>
           </a:bodyPr>
           <a:p>
-            <a:endParaRPr b="0" lang="en-US" sz="2800" spc="-1" strike="noStrike">
-              <a:solidFill>
-                <a:srgbClr val="000000"/>
-              </a:solidFill>
-              <a:latin typeface="Calibri"/>
-            </a:endParaRPr>
-          </a:p>
-        </p:txBody>
-      </p:sp>
-      <p:sp>
-        <p:nvSpPr>
-          <p:cNvPr id="79" name="PlaceHolder 5"/>
+            <a:endParaRPr b="0" lang="en-IN" sz="3200" spc="-1" strike="noStrike">
+              <a:latin typeface="Arial"/>
+            </a:endParaRPr>
+          </a:p>
+        </p:txBody>
+      </p:sp>
+      <p:sp>
+        <p:nvSpPr>
+          <p:cNvPr id="73" name="PlaceHolder 5"/>
           <p:cNvSpPr>
             <a:spLocks noGrp="1"/>
           </p:cNvSpPr>
@@ -2050,8 +1924,8 @@
         </p:nvSpPr>
         <p:spPr>
           <a:xfrm>
-            <a:off x="838080" y="4098240"/>
-            <a:ext cx="3385800" cy="2075040"/>
+            <a:off x="609480" y="3682080"/>
+            <a:ext cx="3533040" cy="1896840"/>
           </a:xfrm>
           <a:prstGeom prst="rect">
             <a:avLst/>
@@ -2062,18 +1936,15 @@
             <a:normAutofit/>
           </a:bodyPr>
           <a:p>
-            <a:endParaRPr b="0" lang="en-US" sz="2800" spc="-1" strike="noStrike">
-              <a:solidFill>
-                <a:srgbClr val="000000"/>
-              </a:solidFill>
-              <a:latin typeface="Calibri"/>
-            </a:endParaRPr>
-          </a:p>
-        </p:txBody>
-      </p:sp>
-      <p:sp>
-        <p:nvSpPr>
-          <p:cNvPr id="80" name="PlaceHolder 6"/>
+            <a:endParaRPr b="0" lang="en-IN" sz="3200" spc="-1" strike="noStrike">
+              <a:latin typeface="Arial"/>
+            </a:endParaRPr>
+          </a:p>
+        </p:txBody>
+      </p:sp>
+      <p:sp>
+        <p:nvSpPr>
+          <p:cNvPr id="74" name="PlaceHolder 6"/>
           <p:cNvSpPr>
             <a:spLocks noGrp="1"/>
           </p:cNvSpPr>
@@ -2083,8 +1954,8 @@
         </p:nvSpPr>
         <p:spPr>
           <a:xfrm>
-            <a:off x="4393440" y="4098240"/>
-            <a:ext cx="3385800" cy="2075040"/>
+            <a:off x="4319640" y="3682080"/>
+            <a:ext cx="3533040" cy="1896840"/>
           </a:xfrm>
           <a:prstGeom prst="rect">
             <a:avLst/>
@@ -2095,18 +1966,15 @@
             <a:normAutofit/>
           </a:bodyPr>
           <a:p>
-            <a:endParaRPr b="0" lang="en-US" sz="2800" spc="-1" strike="noStrike">
-              <a:solidFill>
-                <a:srgbClr val="000000"/>
-              </a:solidFill>
-              <a:latin typeface="Calibri"/>
-            </a:endParaRPr>
-          </a:p>
-        </p:txBody>
-      </p:sp>
-      <p:sp>
-        <p:nvSpPr>
-          <p:cNvPr id="81" name="PlaceHolder 7"/>
+            <a:endParaRPr b="0" lang="en-IN" sz="3200" spc="-1" strike="noStrike">
+              <a:latin typeface="Arial"/>
+            </a:endParaRPr>
+          </a:p>
+        </p:txBody>
+      </p:sp>
+      <p:sp>
+        <p:nvSpPr>
+          <p:cNvPr id="75" name="PlaceHolder 7"/>
           <p:cNvSpPr>
             <a:spLocks noGrp="1"/>
           </p:cNvSpPr>
@@ -2116,8 +1984,8 @@
         </p:nvSpPr>
         <p:spPr>
           <a:xfrm>
-            <a:off x="7949160" y="4098240"/>
-            <a:ext cx="3385800" cy="2075040"/>
+            <a:off x="8029800" y="3682080"/>
+            <a:ext cx="3533040" cy="1896840"/>
           </a:xfrm>
           <a:prstGeom prst="rect">
             <a:avLst/>
@@ -2128,11 +1996,8 @@
             <a:normAutofit/>
           </a:bodyPr>
           <a:p>
-            <a:endParaRPr b="0" lang="en-US" sz="2800" spc="-1" strike="noStrike">
-              <a:solidFill>
-                <a:srgbClr val="000000"/>
-              </a:solidFill>
-              <a:latin typeface="Calibri"/>
+            <a:endParaRPr b="0" lang="en-IN" sz="3200" spc="-1" strike="noStrike">
+              <a:latin typeface="Arial"/>
             </a:endParaRPr>
           </a:p>
         </p:txBody>
@@ -2161,7 +2026,7 @@
       </p:grpSpPr>
       <p:sp>
         <p:nvSpPr>
-          <p:cNvPr id="7" name="PlaceHolder 1"/>
+          <p:cNvPr id="4" name="PlaceHolder 1"/>
           <p:cNvSpPr>
             <a:spLocks noGrp="1"/>
           </p:cNvSpPr>
@@ -2171,8 +2036,8 @@
         </p:nvSpPr>
         <p:spPr>
           <a:xfrm>
-            <a:off x="838080" y="365040"/>
-            <a:ext cx="10515240" cy="1325160"/>
+            <a:off x="609480" y="273600"/>
+            <a:ext cx="10972440" cy="1144800"/>
           </a:xfrm>
           <a:prstGeom prst="rect">
             <a:avLst/>
@@ -2183,18 +2048,16 @@
             <a:noAutofit/>
           </a:bodyPr>
           <a:p>
-            <a:endParaRPr b="0" lang="en-US" sz="1800" spc="-1" strike="noStrike">
-              <a:solidFill>
-                <a:srgbClr val="000000"/>
-              </a:solidFill>
-              <a:latin typeface="Calibri"/>
-            </a:endParaRPr>
-          </a:p>
-        </p:txBody>
-      </p:sp>
-      <p:sp>
-        <p:nvSpPr>
-          <p:cNvPr id="8" name="PlaceHolder 2"/>
+            <a:pPr algn="ctr"/>
+            <a:endParaRPr b="0" lang="en-IN" sz="4400" spc="-1" strike="noStrike">
+              <a:latin typeface="Arial"/>
+            </a:endParaRPr>
+          </a:p>
+        </p:txBody>
+      </p:sp>
+      <p:sp>
+        <p:nvSpPr>
+          <p:cNvPr id="5" name="PlaceHolder 2"/>
           <p:cNvSpPr>
             <a:spLocks noGrp="1"/>
           </p:cNvSpPr>
@@ -2204,8 +2067,8 @@
         </p:nvSpPr>
         <p:spPr>
           <a:xfrm>
-            <a:off x="838080" y="1825560"/>
-            <a:ext cx="10515240" cy="4350960"/>
+            <a:off x="609480" y="1604520"/>
+            <a:ext cx="10972440" cy="3977280"/>
           </a:xfrm>
           <a:prstGeom prst="rect">
             <a:avLst/>
@@ -2216,11 +2079,8 @@
             <a:normAutofit/>
           </a:bodyPr>
           <a:p>
-            <a:endParaRPr b="0" lang="en-US" sz="2800" spc="-1" strike="noStrike">
-              <a:solidFill>
-                <a:srgbClr val="000000"/>
-              </a:solidFill>
-              <a:latin typeface="Calibri"/>
+            <a:endParaRPr b="0" lang="en-IN" sz="3200" spc="-1" strike="noStrike">
+              <a:latin typeface="Arial"/>
             </a:endParaRPr>
           </a:p>
         </p:txBody>
@@ -2249,7 +2109,7 @@
       </p:grpSpPr>
       <p:sp>
         <p:nvSpPr>
-          <p:cNvPr id="9" name="PlaceHolder 1"/>
+          <p:cNvPr id="6" name="PlaceHolder 1"/>
           <p:cNvSpPr>
             <a:spLocks noGrp="1"/>
           </p:cNvSpPr>
@@ -2259,8 +2119,8 @@
         </p:nvSpPr>
         <p:spPr>
           <a:xfrm>
-            <a:off x="838080" y="365040"/>
-            <a:ext cx="10515240" cy="1325160"/>
+            <a:off x="609480" y="273600"/>
+            <a:ext cx="10972440" cy="1144800"/>
           </a:xfrm>
           <a:prstGeom prst="rect">
             <a:avLst/>
@@ -2271,18 +2131,16 @@
             <a:noAutofit/>
           </a:bodyPr>
           <a:p>
-            <a:endParaRPr b="0" lang="en-US" sz="1800" spc="-1" strike="noStrike">
-              <a:solidFill>
-                <a:srgbClr val="000000"/>
-              </a:solidFill>
-              <a:latin typeface="Calibri"/>
-            </a:endParaRPr>
-          </a:p>
-        </p:txBody>
-      </p:sp>
-      <p:sp>
-        <p:nvSpPr>
-          <p:cNvPr id="10" name="PlaceHolder 2"/>
+            <a:pPr algn="ctr"/>
+            <a:endParaRPr b="0" lang="en-IN" sz="4400" spc="-1" strike="noStrike">
+              <a:latin typeface="Arial"/>
+            </a:endParaRPr>
+          </a:p>
+        </p:txBody>
+      </p:sp>
+      <p:sp>
+        <p:nvSpPr>
+          <p:cNvPr id="7" name="PlaceHolder 2"/>
           <p:cNvSpPr>
             <a:spLocks noGrp="1"/>
           </p:cNvSpPr>
@@ -2292,8 +2150,8 @@
         </p:nvSpPr>
         <p:spPr>
           <a:xfrm>
-            <a:off x="838080" y="1825560"/>
-            <a:ext cx="5131080" cy="4350960"/>
+            <a:off x="609480" y="1604520"/>
+            <a:ext cx="5354280" cy="3977280"/>
           </a:xfrm>
           <a:prstGeom prst="rect">
             <a:avLst/>
@@ -2304,18 +2162,15 @@
             <a:normAutofit/>
           </a:bodyPr>
           <a:p>
-            <a:endParaRPr b="0" lang="en-US" sz="2800" spc="-1" strike="noStrike">
-              <a:solidFill>
-                <a:srgbClr val="000000"/>
-              </a:solidFill>
-              <a:latin typeface="Calibri"/>
-            </a:endParaRPr>
-          </a:p>
-        </p:txBody>
-      </p:sp>
-      <p:sp>
-        <p:nvSpPr>
-          <p:cNvPr id="11" name="PlaceHolder 3"/>
+            <a:endParaRPr b="0" lang="en-IN" sz="3200" spc="-1" strike="noStrike">
+              <a:latin typeface="Arial"/>
+            </a:endParaRPr>
+          </a:p>
+        </p:txBody>
+      </p:sp>
+      <p:sp>
+        <p:nvSpPr>
+          <p:cNvPr id="8" name="PlaceHolder 3"/>
           <p:cNvSpPr>
             <a:spLocks noGrp="1"/>
           </p:cNvSpPr>
@@ -2325,8 +2180,8 @@
         </p:nvSpPr>
         <p:spPr>
           <a:xfrm>
-            <a:off x="6226200" y="1825560"/>
-            <a:ext cx="5131080" cy="4350960"/>
+            <a:off x="6231960" y="1604520"/>
+            <a:ext cx="5354280" cy="3977280"/>
           </a:xfrm>
           <a:prstGeom prst="rect">
             <a:avLst/>
@@ -2337,11 +2192,8 @@
             <a:normAutofit/>
           </a:bodyPr>
           <a:p>
-            <a:endParaRPr b="0" lang="en-US" sz="2800" spc="-1" strike="noStrike">
-              <a:solidFill>
-                <a:srgbClr val="000000"/>
-              </a:solidFill>
-              <a:latin typeface="Calibri"/>
+            <a:endParaRPr b="0" lang="en-IN" sz="3200" spc="-1" strike="noStrike">
+              <a:latin typeface="Arial"/>
             </a:endParaRPr>
           </a:p>
         </p:txBody>
@@ -2370,7 +2222,7 @@
       </p:grpSpPr>
       <p:sp>
         <p:nvSpPr>
-          <p:cNvPr id="12" name="PlaceHolder 1"/>
+          <p:cNvPr id="9" name="PlaceHolder 1"/>
           <p:cNvSpPr>
             <a:spLocks noGrp="1"/>
           </p:cNvSpPr>
@@ -2380,8 +2232,8 @@
         </p:nvSpPr>
         <p:spPr>
           <a:xfrm>
-            <a:off x="838080" y="365040"/>
-            <a:ext cx="10515240" cy="1325160"/>
+            <a:off x="609480" y="273600"/>
+            <a:ext cx="10972440" cy="1144800"/>
           </a:xfrm>
           <a:prstGeom prst="rect">
             <a:avLst/>
@@ -2392,11 +2244,9 @@
             <a:noAutofit/>
           </a:bodyPr>
           <a:p>
-            <a:endParaRPr b="0" lang="en-US" sz="1800" spc="-1" strike="noStrike">
-              <a:solidFill>
-                <a:srgbClr val="000000"/>
-              </a:solidFill>
-              <a:latin typeface="Calibri"/>
+            <a:pPr algn="ctr"/>
+            <a:endParaRPr b="0" lang="en-IN" sz="4400" spc="-1" strike="noStrike">
+              <a:latin typeface="Arial"/>
             </a:endParaRPr>
           </a:p>
         </p:txBody>
@@ -2425,7 +2275,7 @@
       </p:grpSpPr>
       <p:sp>
         <p:nvSpPr>
-          <p:cNvPr id="13" name="PlaceHolder 1"/>
+          <p:cNvPr id="10" name="PlaceHolder 1"/>
           <p:cNvSpPr>
             <a:spLocks noGrp="1"/>
           </p:cNvSpPr>
@@ -2435,8 +2285,8 @@
         </p:nvSpPr>
         <p:spPr>
           <a:xfrm>
-            <a:off x="838080" y="365040"/>
-            <a:ext cx="10515240" cy="6144120"/>
+            <a:off x="609480" y="273600"/>
+            <a:ext cx="10972440" cy="5307840"/>
           </a:xfrm>
           <a:prstGeom prst="rect">
             <a:avLst/>
@@ -2478,7 +2328,7 @@
       </p:grpSpPr>
       <p:sp>
         <p:nvSpPr>
-          <p:cNvPr id="14" name="PlaceHolder 1"/>
+          <p:cNvPr id="11" name="PlaceHolder 1"/>
           <p:cNvSpPr>
             <a:spLocks noGrp="1"/>
           </p:cNvSpPr>
@@ -2488,8 +2338,8 @@
         </p:nvSpPr>
         <p:spPr>
           <a:xfrm>
-            <a:off x="838080" y="365040"/>
-            <a:ext cx="10515240" cy="1325160"/>
+            <a:off x="609480" y="273600"/>
+            <a:ext cx="10972440" cy="1144800"/>
           </a:xfrm>
           <a:prstGeom prst="rect">
             <a:avLst/>
@@ -2500,18 +2350,16 @@
             <a:noAutofit/>
           </a:bodyPr>
           <a:p>
-            <a:endParaRPr b="0" lang="en-US" sz="1800" spc="-1" strike="noStrike">
-              <a:solidFill>
-                <a:srgbClr val="000000"/>
-              </a:solidFill>
-              <a:latin typeface="Calibri"/>
-            </a:endParaRPr>
-          </a:p>
-        </p:txBody>
-      </p:sp>
-      <p:sp>
-        <p:nvSpPr>
-          <p:cNvPr id="15" name="PlaceHolder 2"/>
+            <a:pPr algn="ctr"/>
+            <a:endParaRPr b="0" lang="en-IN" sz="4400" spc="-1" strike="noStrike">
+              <a:latin typeface="Arial"/>
+            </a:endParaRPr>
+          </a:p>
+        </p:txBody>
+      </p:sp>
+      <p:sp>
+        <p:nvSpPr>
+          <p:cNvPr id="12" name="PlaceHolder 2"/>
           <p:cNvSpPr>
             <a:spLocks noGrp="1"/>
           </p:cNvSpPr>
@@ -2521,8 +2369,8 @@
         </p:nvSpPr>
         <p:spPr>
           <a:xfrm>
-            <a:off x="838080" y="1825560"/>
-            <a:ext cx="5131080" cy="2075040"/>
+            <a:off x="609480" y="1604520"/>
+            <a:ext cx="5354280" cy="1896840"/>
           </a:xfrm>
           <a:prstGeom prst="rect">
             <a:avLst/>
@@ -2533,18 +2381,15 @@
             <a:normAutofit/>
           </a:bodyPr>
           <a:p>
-            <a:endParaRPr b="0" lang="en-US" sz="2800" spc="-1" strike="noStrike">
-              <a:solidFill>
-                <a:srgbClr val="000000"/>
-              </a:solidFill>
-              <a:latin typeface="Calibri"/>
-            </a:endParaRPr>
-          </a:p>
-        </p:txBody>
-      </p:sp>
-      <p:sp>
-        <p:nvSpPr>
-          <p:cNvPr id="16" name="PlaceHolder 3"/>
+            <a:endParaRPr b="0" lang="en-IN" sz="3200" spc="-1" strike="noStrike">
+              <a:latin typeface="Arial"/>
+            </a:endParaRPr>
+          </a:p>
+        </p:txBody>
+      </p:sp>
+      <p:sp>
+        <p:nvSpPr>
+          <p:cNvPr id="13" name="PlaceHolder 3"/>
           <p:cNvSpPr>
             <a:spLocks noGrp="1"/>
           </p:cNvSpPr>
@@ -2554,8 +2399,8 @@
         </p:nvSpPr>
         <p:spPr>
           <a:xfrm>
-            <a:off x="6226200" y="1825560"/>
-            <a:ext cx="5131080" cy="4350960"/>
+            <a:off x="6231960" y="1604520"/>
+            <a:ext cx="5354280" cy="3977280"/>
           </a:xfrm>
           <a:prstGeom prst="rect">
             <a:avLst/>
@@ -2566,18 +2411,15 @@
             <a:normAutofit/>
           </a:bodyPr>
           <a:p>
-            <a:endParaRPr b="0" lang="en-US" sz="2800" spc="-1" strike="noStrike">
-              <a:solidFill>
-                <a:srgbClr val="000000"/>
-              </a:solidFill>
-              <a:latin typeface="Calibri"/>
-            </a:endParaRPr>
-          </a:p>
-        </p:txBody>
-      </p:sp>
-      <p:sp>
-        <p:nvSpPr>
-          <p:cNvPr id="17" name="PlaceHolder 4"/>
+            <a:endParaRPr b="0" lang="en-IN" sz="3200" spc="-1" strike="noStrike">
+              <a:latin typeface="Arial"/>
+            </a:endParaRPr>
+          </a:p>
+        </p:txBody>
+      </p:sp>
+      <p:sp>
+        <p:nvSpPr>
+          <p:cNvPr id="14" name="PlaceHolder 4"/>
           <p:cNvSpPr>
             <a:spLocks noGrp="1"/>
           </p:cNvSpPr>
@@ -2587,8 +2429,8 @@
         </p:nvSpPr>
         <p:spPr>
           <a:xfrm>
-            <a:off x="838080" y="4098240"/>
-            <a:ext cx="5131080" cy="2075040"/>
+            <a:off x="609480" y="3682080"/>
+            <a:ext cx="5354280" cy="1896840"/>
           </a:xfrm>
           <a:prstGeom prst="rect">
             <a:avLst/>
@@ -2599,11 +2441,8 @@
             <a:normAutofit/>
           </a:bodyPr>
           <a:p>
-            <a:endParaRPr b="0" lang="en-US" sz="2800" spc="-1" strike="noStrike">
-              <a:solidFill>
-                <a:srgbClr val="000000"/>
-              </a:solidFill>
-              <a:latin typeface="Calibri"/>
+            <a:endParaRPr b="0" lang="en-IN" sz="3200" spc="-1" strike="noStrike">
+              <a:latin typeface="Arial"/>
             </a:endParaRPr>
           </a:p>
         </p:txBody>
@@ -2632,7 +2471,7 @@
       </p:grpSpPr>
       <p:sp>
         <p:nvSpPr>
-          <p:cNvPr id="18" name="PlaceHolder 1"/>
+          <p:cNvPr id="15" name="PlaceHolder 1"/>
           <p:cNvSpPr>
             <a:spLocks noGrp="1"/>
           </p:cNvSpPr>
@@ -2642,8 +2481,8 @@
         </p:nvSpPr>
         <p:spPr>
           <a:xfrm>
-            <a:off x="838080" y="365040"/>
-            <a:ext cx="10515240" cy="1325160"/>
+            <a:off x="609480" y="273600"/>
+            <a:ext cx="10972440" cy="1144800"/>
           </a:xfrm>
           <a:prstGeom prst="rect">
             <a:avLst/>
@@ -2654,18 +2493,16 @@
             <a:noAutofit/>
           </a:bodyPr>
           <a:p>
-            <a:endParaRPr b="0" lang="en-US" sz="1800" spc="-1" strike="noStrike">
-              <a:solidFill>
-                <a:srgbClr val="000000"/>
-              </a:solidFill>
-              <a:latin typeface="Calibri"/>
-            </a:endParaRPr>
-          </a:p>
-        </p:txBody>
-      </p:sp>
-      <p:sp>
-        <p:nvSpPr>
-          <p:cNvPr id="19" name="PlaceHolder 2"/>
+            <a:pPr algn="ctr"/>
+            <a:endParaRPr b="0" lang="en-IN" sz="4400" spc="-1" strike="noStrike">
+              <a:latin typeface="Arial"/>
+            </a:endParaRPr>
+          </a:p>
+        </p:txBody>
+      </p:sp>
+      <p:sp>
+        <p:nvSpPr>
+          <p:cNvPr id="16" name="PlaceHolder 2"/>
           <p:cNvSpPr>
             <a:spLocks noGrp="1"/>
           </p:cNvSpPr>
@@ -2675,8 +2512,8 @@
         </p:nvSpPr>
         <p:spPr>
           <a:xfrm>
-            <a:off x="838080" y="1825560"/>
-            <a:ext cx="5131080" cy="4350960"/>
+            <a:off x="609480" y="1604520"/>
+            <a:ext cx="5354280" cy="3977280"/>
           </a:xfrm>
           <a:prstGeom prst="rect">
             <a:avLst/>
@@ -2687,18 +2524,15 @@
             <a:normAutofit/>
           </a:bodyPr>
           <a:p>
-            <a:endParaRPr b="0" lang="en-US" sz="2800" spc="-1" strike="noStrike">
-              <a:solidFill>
-                <a:srgbClr val="000000"/>
-              </a:solidFill>
-              <a:latin typeface="Calibri"/>
-            </a:endParaRPr>
-          </a:p>
-        </p:txBody>
-      </p:sp>
-      <p:sp>
-        <p:nvSpPr>
-          <p:cNvPr id="20" name="PlaceHolder 3"/>
+            <a:endParaRPr b="0" lang="en-IN" sz="3200" spc="-1" strike="noStrike">
+              <a:latin typeface="Arial"/>
+            </a:endParaRPr>
+          </a:p>
+        </p:txBody>
+      </p:sp>
+      <p:sp>
+        <p:nvSpPr>
+          <p:cNvPr id="17" name="PlaceHolder 3"/>
           <p:cNvSpPr>
             <a:spLocks noGrp="1"/>
           </p:cNvSpPr>
@@ -2708,8 +2542,8 @@
         </p:nvSpPr>
         <p:spPr>
           <a:xfrm>
-            <a:off x="6226200" y="1825560"/>
-            <a:ext cx="5131080" cy="2075040"/>
+            <a:off x="6231960" y="1604520"/>
+            <a:ext cx="5354280" cy="1896840"/>
           </a:xfrm>
           <a:prstGeom prst="rect">
             <a:avLst/>
@@ -2720,18 +2554,15 @@
             <a:normAutofit/>
           </a:bodyPr>
           <a:p>
-            <a:endParaRPr b="0" lang="en-US" sz="2800" spc="-1" strike="noStrike">
-              <a:solidFill>
-                <a:srgbClr val="000000"/>
-              </a:solidFill>
-              <a:latin typeface="Calibri"/>
-            </a:endParaRPr>
-          </a:p>
-        </p:txBody>
-      </p:sp>
-      <p:sp>
-        <p:nvSpPr>
-          <p:cNvPr id="21" name="PlaceHolder 4"/>
+            <a:endParaRPr b="0" lang="en-IN" sz="3200" spc="-1" strike="noStrike">
+              <a:latin typeface="Arial"/>
+            </a:endParaRPr>
+          </a:p>
+        </p:txBody>
+      </p:sp>
+      <p:sp>
+        <p:nvSpPr>
+          <p:cNvPr id="18" name="PlaceHolder 4"/>
           <p:cNvSpPr>
             <a:spLocks noGrp="1"/>
           </p:cNvSpPr>
@@ -2741,8 +2572,8 @@
         </p:nvSpPr>
         <p:spPr>
           <a:xfrm>
-            <a:off x="6226200" y="4098240"/>
-            <a:ext cx="5131080" cy="2075040"/>
+            <a:off x="6231960" y="3682080"/>
+            <a:ext cx="5354280" cy="1896840"/>
           </a:xfrm>
           <a:prstGeom prst="rect">
             <a:avLst/>
@@ -2753,11 +2584,8 @@
             <a:normAutofit/>
           </a:bodyPr>
           <a:p>
-            <a:endParaRPr b="0" lang="en-US" sz="2800" spc="-1" strike="noStrike">
-              <a:solidFill>
-                <a:srgbClr val="000000"/>
-              </a:solidFill>
-              <a:latin typeface="Calibri"/>
+            <a:endParaRPr b="0" lang="en-IN" sz="3200" spc="-1" strike="noStrike">
+              <a:latin typeface="Arial"/>
             </a:endParaRPr>
           </a:p>
         </p:txBody>
@@ -2786,7 +2614,7 @@
       </p:grpSpPr>
       <p:sp>
         <p:nvSpPr>
-          <p:cNvPr id="22" name="PlaceHolder 1"/>
+          <p:cNvPr id="19" name="PlaceHolder 1"/>
           <p:cNvSpPr>
             <a:spLocks noGrp="1"/>
           </p:cNvSpPr>
@@ -2796,8 +2624,8 @@
         </p:nvSpPr>
         <p:spPr>
           <a:xfrm>
-            <a:off x="838080" y="365040"/>
-            <a:ext cx="10515240" cy="1325160"/>
+            <a:off x="609480" y="273600"/>
+            <a:ext cx="10972440" cy="1144800"/>
           </a:xfrm>
           <a:prstGeom prst="rect">
             <a:avLst/>
@@ -2808,18 +2636,16 @@
             <a:noAutofit/>
           </a:bodyPr>
           <a:p>
-            <a:endParaRPr b="0" lang="en-US" sz="1800" spc="-1" strike="noStrike">
-              <a:solidFill>
-                <a:srgbClr val="000000"/>
-              </a:solidFill>
-              <a:latin typeface="Calibri"/>
-            </a:endParaRPr>
-          </a:p>
-        </p:txBody>
-      </p:sp>
-      <p:sp>
-        <p:nvSpPr>
-          <p:cNvPr id="23" name="PlaceHolder 2"/>
+            <a:pPr algn="ctr"/>
+            <a:endParaRPr b="0" lang="en-IN" sz="4400" spc="-1" strike="noStrike">
+              <a:latin typeface="Arial"/>
+            </a:endParaRPr>
+          </a:p>
+        </p:txBody>
+      </p:sp>
+      <p:sp>
+        <p:nvSpPr>
+          <p:cNvPr id="20" name="PlaceHolder 2"/>
           <p:cNvSpPr>
             <a:spLocks noGrp="1"/>
           </p:cNvSpPr>
@@ -2829,8 +2655,8 @@
         </p:nvSpPr>
         <p:spPr>
           <a:xfrm>
-            <a:off x="838080" y="1825560"/>
-            <a:ext cx="5131080" cy="2075040"/>
+            <a:off x="609480" y="1604520"/>
+            <a:ext cx="5354280" cy="1896840"/>
           </a:xfrm>
           <a:prstGeom prst="rect">
             <a:avLst/>
@@ -2841,18 +2667,15 @@
             <a:normAutofit/>
           </a:bodyPr>
           <a:p>
-            <a:endParaRPr b="0" lang="en-US" sz="2800" spc="-1" strike="noStrike">
-              <a:solidFill>
-                <a:srgbClr val="000000"/>
-              </a:solidFill>
-              <a:latin typeface="Calibri"/>
-            </a:endParaRPr>
-          </a:p>
-        </p:txBody>
-      </p:sp>
-      <p:sp>
-        <p:nvSpPr>
-          <p:cNvPr id="24" name="PlaceHolder 3"/>
+            <a:endParaRPr b="0" lang="en-IN" sz="3200" spc="-1" strike="noStrike">
+              <a:latin typeface="Arial"/>
+            </a:endParaRPr>
+          </a:p>
+        </p:txBody>
+      </p:sp>
+      <p:sp>
+        <p:nvSpPr>
+          <p:cNvPr id="21" name="PlaceHolder 3"/>
           <p:cNvSpPr>
             <a:spLocks noGrp="1"/>
           </p:cNvSpPr>
@@ -2862,8 +2685,8 @@
         </p:nvSpPr>
         <p:spPr>
           <a:xfrm>
-            <a:off x="6226200" y="1825560"/>
-            <a:ext cx="5131080" cy="2075040"/>
+            <a:off x="6231960" y="1604520"/>
+            <a:ext cx="5354280" cy="1896840"/>
           </a:xfrm>
           <a:prstGeom prst="rect">
             <a:avLst/>
@@ -2874,18 +2697,15 @@
             <a:normAutofit/>
           </a:bodyPr>
           <a:p>
-            <a:endParaRPr b="0" lang="en-US" sz="2800" spc="-1" strike="noStrike">
-              <a:solidFill>
-                <a:srgbClr val="000000"/>
-              </a:solidFill>
-              <a:latin typeface="Calibri"/>
-            </a:endParaRPr>
-          </a:p>
-        </p:txBody>
-      </p:sp>
-      <p:sp>
-        <p:nvSpPr>
-          <p:cNvPr id="25" name="PlaceHolder 4"/>
+            <a:endParaRPr b="0" lang="en-IN" sz="3200" spc="-1" strike="noStrike">
+              <a:latin typeface="Arial"/>
+            </a:endParaRPr>
+          </a:p>
+        </p:txBody>
+      </p:sp>
+      <p:sp>
+        <p:nvSpPr>
+          <p:cNvPr id="22" name="PlaceHolder 4"/>
           <p:cNvSpPr>
             <a:spLocks noGrp="1"/>
           </p:cNvSpPr>
@@ -2895,8 +2715,8 @@
         </p:nvSpPr>
         <p:spPr>
           <a:xfrm>
-            <a:off x="838080" y="4098240"/>
-            <a:ext cx="10515240" cy="2075040"/>
+            <a:off x="609480" y="3682080"/>
+            <a:ext cx="10972440" cy="1896840"/>
           </a:xfrm>
           <a:prstGeom prst="rect">
             <a:avLst/>
@@ -2907,11 +2727,8 @@
             <a:normAutofit/>
           </a:bodyPr>
           <a:p>
-            <a:endParaRPr b="0" lang="en-US" sz="2800" spc="-1" strike="noStrike">
-              <a:solidFill>
-                <a:srgbClr val="000000"/>
-              </a:solidFill>
-              <a:latin typeface="Calibri"/>
+            <a:endParaRPr b="0" lang="en-IN" sz="3200" spc="-1" strike="noStrike">
+              <a:latin typeface="Arial"/>
             </a:endParaRPr>
           </a:p>
         </p:txBody>
@@ -2957,37 +2774,27 @@
         </p:nvSpPr>
         <p:spPr>
           <a:xfrm>
-            <a:off x="1523880" y="1122480"/>
-            <a:ext cx="9143640" cy="2387160"/>
-          </a:xfrm>
-          <a:prstGeom prst="rect">
-            <a:avLst/>
-          </a:prstGeom>
-        </p:spPr>
-        <p:txBody>
-          <a:bodyPr anchor="b">
+            <a:off x="838080" y="365040"/>
+            <a:ext cx="10514880" cy="1324800"/>
+          </a:xfrm>
+          <a:prstGeom prst="rect">
+            <a:avLst/>
+          </a:prstGeom>
+        </p:spPr>
+        <p:txBody>
+          <a:bodyPr lIns="0" rIns="0" tIns="0" bIns="0" anchor="ctr">
             <a:noAutofit/>
           </a:bodyPr>
           <a:p>
-            <a:pPr algn="ctr">
-              <a:lnSpc>
-                <a:spcPct val="90000"/>
-              </a:lnSpc>
-            </a:pPr>
+            <a:pPr algn="ctr"/>
             <a:r>
-              <a:rPr b="0" lang="en-US" sz="6000" spc="-1" strike="noStrike">
-                <a:solidFill>
-                  <a:srgbClr val="000000"/>
-                </a:solidFill>
-                <a:latin typeface="Calibri Light"/>
+              <a:rPr b="0" lang="en-IN" sz="1800" spc="-1" strike="noStrike">
+                <a:latin typeface="Arial"/>
               </a:rPr>
-              <a:t>Click to edit Master title style</a:t>
+              <a:t>Click to edit the title text format</a:t>
             </a:r>
-            <a:endParaRPr b="0" lang="en-US" sz="6000" spc="-1" strike="noStrike">
-              <a:solidFill>
-                <a:srgbClr val="000000"/>
-              </a:solidFill>
-              <a:latin typeface="Calibri"/>
+            <a:endParaRPr b="0" lang="en-IN" sz="1800" spc="-1" strike="noStrike">
+              <a:latin typeface="Arial"/>
             </a:endParaRPr>
           </a:p>
         </p:txBody>
@@ -2995,124 +2802,6 @@
       <p:sp>
         <p:nvSpPr>
           <p:cNvPr id="1" name="PlaceHolder 2"/>
-          <p:cNvSpPr>
-            <a:spLocks noGrp="1"/>
-          </p:cNvSpPr>
-          <p:nvPr>
-            <p:ph type="dt"/>
-          </p:nvPr>
-        </p:nvSpPr>
-        <p:spPr>
-          <a:xfrm>
-            <a:off x="838080" y="6356520"/>
-            <a:ext cx="2742840" cy="364680"/>
-          </a:xfrm>
-          <a:prstGeom prst="rect">
-            <a:avLst/>
-          </a:prstGeom>
-        </p:spPr>
-        <p:txBody>
-          <a:bodyPr anchor="ctr">
-            <a:noAutofit/>
-          </a:bodyPr>
-          <a:p>
-            <a:pPr>
-              <a:lnSpc>
-                <a:spcPct val="100000"/>
-              </a:lnSpc>
-            </a:pPr>
-            <a:fld id="{865A2DBE-14FD-4784-B3A3-287C272EFC88}" type="datetime">
-              <a:rPr b="0" lang="en-IN" sz="1200" spc="-1" strike="noStrike">
-                <a:solidFill>
-                  <a:srgbClr val="8b8b8b"/>
-                </a:solidFill>
-                <a:latin typeface="Calibri"/>
-              </a:rPr>
-              <a:t>03/04/20</a:t>
-            </a:fld>
-            <a:endParaRPr b="0" lang="en-IN" sz="1200" spc="-1" strike="noStrike">
-              <a:latin typeface="Times New Roman"/>
-            </a:endParaRPr>
-          </a:p>
-        </p:txBody>
-      </p:sp>
-      <p:sp>
-        <p:nvSpPr>
-          <p:cNvPr id="2" name="PlaceHolder 3"/>
-          <p:cNvSpPr>
-            <a:spLocks noGrp="1"/>
-          </p:cNvSpPr>
-          <p:nvPr>
-            <p:ph type="ftr"/>
-          </p:nvPr>
-        </p:nvSpPr>
-        <p:spPr>
-          <a:xfrm>
-            <a:off x="4038480" y="6356520"/>
-            <a:ext cx="4114440" cy="364680"/>
-          </a:xfrm>
-          <a:prstGeom prst="rect">
-            <a:avLst/>
-          </a:prstGeom>
-        </p:spPr>
-        <p:txBody>
-          <a:bodyPr anchor="ctr">
-            <a:noAutofit/>
-          </a:bodyPr>
-          <a:p>
-            <a:endParaRPr b="0" lang="en-IN" sz="2400" spc="-1" strike="noStrike">
-              <a:latin typeface="Times New Roman"/>
-            </a:endParaRPr>
-          </a:p>
-        </p:txBody>
-      </p:sp>
-      <p:sp>
-        <p:nvSpPr>
-          <p:cNvPr id="3" name="PlaceHolder 4"/>
-          <p:cNvSpPr>
-            <a:spLocks noGrp="1"/>
-          </p:cNvSpPr>
-          <p:nvPr>
-            <p:ph type="sldNum"/>
-          </p:nvPr>
-        </p:nvSpPr>
-        <p:spPr>
-          <a:xfrm>
-            <a:off x="8610480" y="6356520"/>
-            <a:ext cx="2742840" cy="364680"/>
-          </a:xfrm>
-          <a:prstGeom prst="rect">
-            <a:avLst/>
-          </a:prstGeom>
-        </p:spPr>
-        <p:txBody>
-          <a:bodyPr anchor="ctr">
-            <a:noAutofit/>
-          </a:bodyPr>
-          <a:p>
-            <a:pPr algn="r">
-              <a:lnSpc>
-                <a:spcPct val="100000"/>
-              </a:lnSpc>
-            </a:pPr>
-            <a:fld id="{D7B68645-DA1A-4D1D-8DA9-1952150C27E0}" type="slidenum">
-              <a:rPr b="0" lang="en-IN" sz="1200" spc="-1" strike="noStrike">
-                <a:solidFill>
-                  <a:srgbClr val="8b8b8b"/>
-                </a:solidFill>
-                <a:latin typeface="Calibri"/>
-              </a:rPr>
-              <a:t>&lt;number&gt;</a:t>
-            </a:fld>
-            <a:endParaRPr b="0" lang="en-IN" sz="1200" spc="-1" strike="noStrike">
-              <a:latin typeface="Times New Roman"/>
-            </a:endParaRPr>
-          </a:p>
-        </p:txBody>
-      </p:sp>
-      <p:sp>
-        <p:nvSpPr>
-          <p:cNvPr id="4" name="PlaceHolder 5"/>
           <p:cNvSpPr>
             <a:spLocks noGrp="1"/>
           </p:cNvSpPr>
@@ -3146,19 +2835,13 @@
               <a:buChar char=""/>
             </a:pPr>
             <a:r>
-              <a:rPr b="0" lang="en-US" sz="2800" spc="-1" strike="noStrike">
-                <a:solidFill>
-                  <a:srgbClr val="000000"/>
-                </a:solidFill>
-                <a:latin typeface="Calibri"/>
+              <a:rPr b="0" lang="en-IN" sz="3200" spc="-1" strike="noStrike">
+                <a:latin typeface="Arial"/>
               </a:rPr>
               <a:t>Click to edit the outline text format</a:t>
             </a:r>
-            <a:endParaRPr b="0" lang="en-US" sz="2800" spc="-1" strike="noStrike">
-              <a:solidFill>
-                <a:srgbClr val="000000"/>
-              </a:solidFill>
-              <a:latin typeface="Calibri"/>
+            <a:endParaRPr b="0" lang="en-IN" sz="3200" spc="-1" strike="noStrike">
+              <a:latin typeface="Arial"/>
             </a:endParaRPr>
           </a:p>
           <a:p>
@@ -3174,19 +2857,13 @@
               <a:buChar char=""/>
             </a:pPr>
             <a:r>
-              <a:rPr b="0" lang="en-US" sz="2000" spc="-1" strike="noStrike">
-                <a:solidFill>
-                  <a:srgbClr val="000000"/>
-                </a:solidFill>
-                <a:latin typeface="Calibri"/>
+              <a:rPr b="0" lang="en-IN" sz="2800" spc="-1" strike="noStrike">
+                <a:latin typeface="Arial"/>
               </a:rPr>
               <a:t>Second Outline Level</a:t>
             </a:r>
-            <a:endParaRPr b="0" lang="en-US" sz="2000" spc="-1" strike="noStrike">
-              <a:solidFill>
-                <a:srgbClr val="000000"/>
-              </a:solidFill>
-              <a:latin typeface="Calibri"/>
+            <a:endParaRPr b="0" lang="en-IN" sz="2800" spc="-1" strike="noStrike">
+              <a:latin typeface="Arial"/>
             </a:endParaRPr>
           </a:p>
           <a:p>
@@ -3202,19 +2879,13 @@
               <a:buChar char=""/>
             </a:pPr>
             <a:r>
-              <a:rPr b="0" lang="en-US" sz="1800" spc="-1" strike="noStrike">
-                <a:solidFill>
-                  <a:srgbClr val="000000"/>
-                </a:solidFill>
-                <a:latin typeface="Calibri"/>
+              <a:rPr b="0" lang="en-IN" sz="2400" spc="-1" strike="noStrike">
+                <a:latin typeface="Arial"/>
               </a:rPr>
               <a:t>Third Outline Level</a:t>
             </a:r>
-            <a:endParaRPr b="0" lang="en-US" sz="1800" spc="-1" strike="noStrike">
-              <a:solidFill>
-                <a:srgbClr val="000000"/>
-              </a:solidFill>
-              <a:latin typeface="Calibri"/>
+            <a:endParaRPr b="0" lang="en-IN" sz="2400" spc="-1" strike="noStrike">
+              <a:latin typeface="Arial"/>
             </a:endParaRPr>
           </a:p>
           <a:p>
@@ -3230,19 +2901,13 @@
               <a:buChar char=""/>
             </a:pPr>
             <a:r>
-              <a:rPr b="0" lang="en-US" sz="1800" spc="-1" strike="noStrike">
-                <a:solidFill>
-                  <a:srgbClr val="000000"/>
-                </a:solidFill>
-                <a:latin typeface="Calibri"/>
+              <a:rPr b="0" lang="en-IN" sz="2000" spc="-1" strike="noStrike">
+                <a:latin typeface="Arial"/>
               </a:rPr>
               <a:t>Fourth Outline Level</a:t>
             </a:r>
-            <a:endParaRPr b="0" lang="en-US" sz="1800" spc="-1" strike="noStrike">
-              <a:solidFill>
-                <a:srgbClr val="000000"/>
-              </a:solidFill>
-              <a:latin typeface="Calibri"/>
+            <a:endParaRPr b="0" lang="en-IN" sz="2000" spc="-1" strike="noStrike">
+              <a:latin typeface="Arial"/>
             </a:endParaRPr>
           </a:p>
           <a:p>
@@ -3258,19 +2923,13 @@
               <a:buChar char=""/>
             </a:pPr>
             <a:r>
-              <a:rPr b="0" lang="en-US" sz="2000" spc="-1" strike="noStrike">
-                <a:solidFill>
-                  <a:srgbClr val="000000"/>
-                </a:solidFill>
-                <a:latin typeface="Calibri"/>
+              <a:rPr b="0" lang="en-IN" sz="2000" spc="-1" strike="noStrike">
+                <a:latin typeface="Arial"/>
               </a:rPr>
               <a:t>Fifth Outline Level</a:t>
             </a:r>
-            <a:endParaRPr b="0" lang="en-US" sz="2000" spc="-1" strike="noStrike">
-              <a:solidFill>
-                <a:srgbClr val="000000"/>
-              </a:solidFill>
-              <a:latin typeface="Calibri"/>
+            <a:endParaRPr b="0" lang="en-IN" sz="2000" spc="-1" strike="noStrike">
+              <a:latin typeface="Arial"/>
             </a:endParaRPr>
           </a:p>
           <a:p>
@@ -3286,19 +2945,13 @@
               <a:buChar char=""/>
             </a:pPr>
             <a:r>
-              <a:rPr b="0" lang="en-US" sz="2000" spc="-1" strike="noStrike">
-                <a:solidFill>
-                  <a:srgbClr val="000000"/>
-                </a:solidFill>
-                <a:latin typeface="Calibri"/>
+              <a:rPr b="0" lang="en-IN" sz="2000" spc="-1" strike="noStrike">
+                <a:latin typeface="Arial"/>
               </a:rPr>
               <a:t>Sixth Outline Level</a:t>
             </a:r>
-            <a:endParaRPr b="0" lang="en-US" sz="2000" spc="-1" strike="noStrike">
-              <a:solidFill>
-                <a:srgbClr val="000000"/>
-              </a:solidFill>
-              <a:latin typeface="Calibri"/>
+            <a:endParaRPr b="0" lang="en-IN" sz="2000" spc="-1" strike="noStrike">
+              <a:latin typeface="Arial"/>
             </a:endParaRPr>
           </a:p>
           <a:p>
@@ -3314,19 +2967,13 @@
               <a:buChar char=""/>
             </a:pPr>
             <a:r>
-              <a:rPr b="0" lang="en-US" sz="2000" spc="-1" strike="noStrike">
-                <a:solidFill>
-                  <a:srgbClr val="000000"/>
-                </a:solidFill>
-                <a:latin typeface="Calibri"/>
+              <a:rPr b="0" lang="en-IN" sz="2000" spc="-1" strike="noStrike">
+                <a:latin typeface="Arial"/>
               </a:rPr>
               <a:t>Seventh Outline Level</a:t>
             </a:r>
-            <a:endParaRPr b="0" lang="en-US" sz="2000" spc="-1" strike="noStrike">
-              <a:solidFill>
-                <a:srgbClr val="000000"/>
-              </a:solidFill>
-              <a:latin typeface="Calibri"/>
+            <a:endParaRPr b="0" lang="en-IN" sz="2000" spc="-1" strike="noStrike">
+              <a:latin typeface="Arial"/>
             </a:endParaRPr>
           </a:p>
         </p:txBody>
@@ -3377,7 +3024,7 @@
       </p:grpSpPr>
       <p:sp>
         <p:nvSpPr>
-          <p:cNvPr id="41" name="PlaceHolder 1"/>
+          <p:cNvPr id="38" name="PlaceHolder 1"/>
           <p:cNvSpPr>
             <a:spLocks noGrp="1"/>
           </p:cNvSpPr>
@@ -3387,44 +3034,34 @@
         </p:nvSpPr>
         <p:spPr>
           <a:xfrm>
-            <a:off x="838080" y="365040"/>
-            <a:ext cx="10515240" cy="1325160"/>
-          </a:xfrm>
-          <a:prstGeom prst="rect">
-            <a:avLst/>
-          </a:prstGeom>
-        </p:spPr>
-        <p:txBody>
-          <a:bodyPr anchor="ctr">
+            <a:off x="609480" y="273600"/>
+            <a:ext cx="10972440" cy="1144800"/>
+          </a:xfrm>
+          <a:prstGeom prst="rect">
+            <a:avLst/>
+          </a:prstGeom>
+        </p:spPr>
+        <p:txBody>
+          <a:bodyPr lIns="0" rIns="0" tIns="0" bIns="0" anchor="ctr">
             <a:noAutofit/>
           </a:bodyPr>
           <a:p>
-            <a:pPr>
-              <a:lnSpc>
-                <a:spcPct val="90000"/>
-              </a:lnSpc>
-            </a:pPr>
+            <a:pPr algn="ctr"/>
             <a:r>
-              <a:rPr b="0" lang="en-US" sz="4400" spc="-1" strike="noStrike">
-                <a:solidFill>
-                  <a:srgbClr val="000000"/>
-                </a:solidFill>
-                <a:latin typeface="Calibri Light"/>
+              <a:rPr b="0" lang="en-IN" sz="4400" spc="-1" strike="noStrike">
+                <a:latin typeface="Arial"/>
               </a:rPr>
-              <a:t>Click to edit Master title style</a:t>
+              <a:t>Click to edit the title text format</a:t>
             </a:r>
-            <a:endParaRPr b="0" lang="en-US" sz="4400" spc="-1" strike="noStrike">
-              <a:solidFill>
-                <a:srgbClr val="000000"/>
-              </a:solidFill>
-              <a:latin typeface="Calibri"/>
-            </a:endParaRPr>
-          </a:p>
-        </p:txBody>
-      </p:sp>
-      <p:sp>
-        <p:nvSpPr>
-          <p:cNvPr id="42" name="PlaceHolder 2"/>
+            <a:endParaRPr b="0" lang="en-IN" sz="4400" spc="-1" strike="noStrike">
+              <a:latin typeface="Arial"/>
+            </a:endParaRPr>
+          </a:p>
+        </p:txBody>
+      </p:sp>
+      <p:sp>
+        <p:nvSpPr>
+          <p:cNvPr id="39" name="PlaceHolder 2"/>
           <p:cNvSpPr>
             <a:spLocks noGrp="1"/>
           </p:cNvSpPr>
@@ -3434,283 +3071,169 @@
         </p:nvSpPr>
         <p:spPr>
           <a:xfrm>
-            <a:off x="838080" y="1825560"/>
-            <a:ext cx="10515240" cy="4350960"/>
-          </a:xfrm>
-          <a:prstGeom prst="rect">
-            <a:avLst/>
-          </a:prstGeom>
-        </p:spPr>
-        <p:txBody>
-          <a:bodyPr>
-            <a:noAutofit/>
-          </a:bodyPr>
-          <a:p>
-            <a:pPr marL="228600" indent="-228240">
-              <a:lnSpc>
-                <a:spcPct val="90000"/>
-              </a:lnSpc>
+            <a:off x="609480" y="1604520"/>
+            <a:ext cx="10972440" cy="3977280"/>
+          </a:xfrm>
+          <a:prstGeom prst="rect">
+            <a:avLst/>
+          </a:prstGeom>
+        </p:spPr>
+        <p:txBody>
+          <a:bodyPr lIns="0" rIns="0" tIns="0" bIns="0">
+            <a:normAutofit/>
+          </a:bodyPr>
+          <a:p>
+            <a:pPr marL="432000" indent="-324000">
               <a:spcBef>
-                <a:spcPts val="1001"/>
+                <a:spcPts val="1417"/>
               </a:spcBef>
               <a:buClr>
                 <a:srgbClr val="000000"/>
               </a:buClr>
-              <a:buFont typeface="Arial"/>
-              <a:buChar char="•"/>
+              <a:buSzPct val="45000"/>
+              <a:buFont typeface="Wingdings" charset="2"/>
+              <a:buChar char=""/>
             </a:pPr>
             <a:r>
-              <a:rPr b="0" lang="en-US" sz="2800" spc="-1" strike="noStrike">
-                <a:solidFill>
-                  <a:srgbClr val="000000"/>
-                </a:solidFill>
-                <a:latin typeface="Calibri"/>
+              <a:rPr b="0" lang="en-IN" sz="3200" spc="-1" strike="noStrike">
+                <a:latin typeface="Arial"/>
               </a:rPr>
-              <a:t>Click to edit Master text styles</a:t>
+              <a:t>Click to edit the outline text format</a:t>
             </a:r>
-            <a:endParaRPr b="0" lang="en-US" sz="2800" spc="-1" strike="noStrike">
-              <a:solidFill>
-                <a:srgbClr val="000000"/>
-              </a:solidFill>
-              <a:latin typeface="Calibri"/>
-            </a:endParaRPr>
-          </a:p>
-          <a:p>
-            <a:pPr lvl="1" marL="685800" indent="-228240">
-              <a:lnSpc>
-                <a:spcPct val="90000"/>
-              </a:lnSpc>
+            <a:endParaRPr b="0" lang="en-IN" sz="3200" spc="-1" strike="noStrike">
+              <a:latin typeface="Arial"/>
+            </a:endParaRPr>
+          </a:p>
+          <a:p>
+            <a:pPr lvl="1" marL="864000" indent="-324000">
               <a:spcBef>
-                <a:spcPts val="499"/>
+                <a:spcPts val="1134"/>
               </a:spcBef>
               <a:buClr>
                 <a:srgbClr val="000000"/>
               </a:buClr>
-              <a:buFont typeface="Arial"/>
-              <a:buChar char="•"/>
+              <a:buSzPct val="75000"/>
+              <a:buFont typeface="Symbol" charset="2"/>
+              <a:buChar char=""/>
             </a:pPr>
             <a:r>
-              <a:rPr b="0" lang="en-US" sz="2400" spc="-1" strike="noStrike">
-                <a:solidFill>
-                  <a:srgbClr val="000000"/>
-                </a:solidFill>
-                <a:latin typeface="Calibri"/>
+              <a:rPr b="0" lang="en-IN" sz="2800" spc="-1" strike="noStrike">
+                <a:latin typeface="Arial"/>
               </a:rPr>
-              <a:t>Second level</a:t>
+              <a:t>Second Outline Level</a:t>
             </a:r>
-            <a:endParaRPr b="0" lang="en-US" sz="2400" spc="-1" strike="noStrike">
-              <a:solidFill>
-                <a:srgbClr val="000000"/>
-              </a:solidFill>
-              <a:latin typeface="Calibri"/>
-            </a:endParaRPr>
-          </a:p>
-          <a:p>
-            <a:pPr lvl="2" marL="1143000" indent="-228240">
-              <a:lnSpc>
-                <a:spcPct val="90000"/>
-              </a:lnSpc>
+            <a:endParaRPr b="0" lang="en-IN" sz="2800" spc="-1" strike="noStrike">
+              <a:latin typeface="Arial"/>
+            </a:endParaRPr>
+          </a:p>
+          <a:p>
+            <a:pPr lvl="2" marL="1296000" indent="-288000">
               <a:spcBef>
-                <a:spcPts val="499"/>
+                <a:spcPts val="850"/>
               </a:spcBef>
               <a:buClr>
                 <a:srgbClr val="000000"/>
               </a:buClr>
-              <a:buFont typeface="Arial"/>
-              <a:buChar char="•"/>
+              <a:buSzPct val="45000"/>
+              <a:buFont typeface="Wingdings" charset="2"/>
+              <a:buChar char=""/>
             </a:pPr>
             <a:r>
-              <a:rPr b="0" lang="en-US" sz="2000" spc="-1" strike="noStrike">
-                <a:solidFill>
-                  <a:srgbClr val="000000"/>
-                </a:solidFill>
-                <a:latin typeface="Calibri"/>
+              <a:rPr b="0" lang="en-IN" sz="2400" spc="-1" strike="noStrike">
+                <a:latin typeface="Arial"/>
               </a:rPr>
-              <a:t>Third level</a:t>
+              <a:t>Third Outline Level</a:t>
             </a:r>
-            <a:endParaRPr b="0" lang="en-US" sz="2000" spc="-1" strike="noStrike">
-              <a:solidFill>
-                <a:srgbClr val="000000"/>
-              </a:solidFill>
-              <a:latin typeface="Calibri"/>
-            </a:endParaRPr>
-          </a:p>
-          <a:p>
-            <a:pPr lvl="3" marL="1600200" indent="-228240">
-              <a:lnSpc>
-                <a:spcPct val="90000"/>
-              </a:lnSpc>
+            <a:endParaRPr b="0" lang="en-IN" sz="2400" spc="-1" strike="noStrike">
+              <a:latin typeface="Arial"/>
+            </a:endParaRPr>
+          </a:p>
+          <a:p>
+            <a:pPr lvl="3" marL="1728000" indent="-216000">
               <a:spcBef>
-                <a:spcPts val="499"/>
+                <a:spcPts val="567"/>
               </a:spcBef>
               <a:buClr>
                 <a:srgbClr val="000000"/>
               </a:buClr>
-              <a:buFont typeface="Arial"/>
-              <a:buChar char="•"/>
+              <a:buSzPct val="75000"/>
+              <a:buFont typeface="Symbol" charset="2"/>
+              <a:buChar char=""/>
             </a:pPr>
             <a:r>
-              <a:rPr b="0" lang="en-US" sz="1800" spc="-1" strike="noStrike">
-                <a:solidFill>
-                  <a:srgbClr val="000000"/>
-                </a:solidFill>
-                <a:latin typeface="Calibri"/>
+              <a:rPr b="0" lang="en-IN" sz="2000" spc="-1" strike="noStrike">
+                <a:latin typeface="Arial"/>
               </a:rPr>
-              <a:t>Fourth level</a:t>
+              <a:t>Fourth Outline Level</a:t>
             </a:r>
-            <a:endParaRPr b="0" lang="en-US" sz="1800" spc="-1" strike="noStrike">
-              <a:solidFill>
-                <a:srgbClr val="000000"/>
-              </a:solidFill>
-              <a:latin typeface="Calibri"/>
-            </a:endParaRPr>
-          </a:p>
-          <a:p>
-            <a:pPr lvl="4" marL="2057400" indent="-228240">
-              <a:lnSpc>
-                <a:spcPct val="90000"/>
-              </a:lnSpc>
+            <a:endParaRPr b="0" lang="en-IN" sz="2000" spc="-1" strike="noStrike">
+              <a:latin typeface="Arial"/>
+            </a:endParaRPr>
+          </a:p>
+          <a:p>
+            <a:pPr lvl="4" marL="2160000" indent="-216000">
               <a:spcBef>
-                <a:spcPts val="499"/>
+                <a:spcPts val="283"/>
               </a:spcBef>
               <a:buClr>
                 <a:srgbClr val="000000"/>
               </a:buClr>
-              <a:buFont typeface="Arial"/>
-              <a:buChar char="•"/>
+              <a:buSzPct val="45000"/>
+              <a:buFont typeface="Wingdings" charset="2"/>
+              <a:buChar char=""/>
             </a:pPr>
             <a:r>
-              <a:rPr b="0" lang="en-US" sz="1800" spc="-1" strike="noStrike">
-                <a:solidFill>
-                  <a:srgbClr val="000000"/>
-                </a:solidFill>
-                <a:latin typeface="Calibri"/>
+              <a:rPr b="0" lang="en-IN" sz="2000" spc="-1" strike="noStrike">
+                <a:latin typeface="Arial"/>
               </a:rPr>
-              <a:t>Fifth level</a:t>
+              <a:t>Fifth Outline Level</a:t>
             </a:r>
-            <a:endParaRPr b="0" lang="en-US" sz="1800" spc="-1" strike="noStrike">
-              <a:solidFill>
+            <a:endParaRPr b="0" lang="en-IN" sz="2000" spc="-1" strike="noStrike">
+              <a:latin typeface="Arial"/>
+            </a:endParaRPr>
+          </a:p>
+          <a:p>
+            <a:pPr lvl="5" marL="2592000" indent="-216000">
+              <a:spcBef>
+                <a:spcPts val="283"/>
+              </a:spcBef>
+              <a:buClr>
                 <a:srgbClr val="000000"/>
-              </a:solidFill>
-              <a:latin typeface="Calibri"/>
-            </a:endParaRPr>
-          </a:p>
-        </p:txBody>
-      </p:sp>
-      <p:sp>
-        <p:nvSpPr>
-          <p:cNvPr id="43" name="PlaceHolder 3"/>
-          <p:cNvSpPr>
-            <a:spLocks noGrp="1"/>
-          </p:cNvSpPr>
-          <p:nvPr>
-            <p:ph type="dt"/>
-          </p:nvPr>
-        </p:nvSpPr>
-        <p:spPr>
-          <a:xfrm>
-            <a:off x="838080" y="6356520"/>
-            <a:ext cx="2742840" cy="364680"/>
-          </a:xfrm>
-          <a:prstGeom prst="rect">
-            <a:avLst/>
-          </a:prstGeom>
-        </p:spPr>
-        <p:txBody>
-          <a:bodyPr anchor="ctr">
-            <a:noAutofit/>
-          </a:bodyPr>
-          <a:p>
-            <a:pPr>
-              <a:lnSpc>
-                <a:spcPct val="100000"/>
-              </a:lnSpc>
+              </a:buClr>
+              <a:buSzPct val="45000"/>
+              <a:buFont typeface="Wingdings" charset="2"/>
+              <a:buChar char=""/>
             </a:pPr>
-            <a:fld id="{62298D04-CC4C-4BEC-86BB-5AB590EF69F7}" type="datetime">
-              <a:rPr b="0" lang="en-IN" sz="1200" spc="-1" strike="noStrike">
-                <a:solidFill>
-                  <a:srgbClr val="8b8b8b"/>
-                </a:solidFill>
-                <a:latin typeface="Calibri"/>
+            <a:r>
+              <a:rPr b="0" lang="en-IN" sz="2000" spc="-1" strike="noStrike">
+                <a:latin typeface="Arial"/>
               </a:rPr>
-              <a:t>03/04/20</a:t>
-            </a:fld>
-            <a:endParaRPr b="0" lang="en-IN" sz="1200" spc="-1" strike="noStrike">
-              <a:latin typeface="Times New Roman"/>
-            </a:endParaRPr>
-          </a:p>
-        </p:txBody>
-      </p:sp>
-      <p:sp>
-        <p:nvSpPr>
-          <p:cNvPr id="44" name="PlaceHolder 4"/>
-          <p:cNvSpPr>
-            <a:spLocks noGrp="1"/>
-          </p:cNvSpPr>
-          <p:nvPr>
-            <p:ph type="ftr"/>
-          </p:nvPr>
-        </p:nvSpPr>
-        <p:spPr>
-          <a:xfrm>
-            <a:off x="4038480" y="6356520"/>
-            <a:ext cx="4114440" cy="364680"/>
-          </a:xfrm>
-          <a:prstGeom prst="rect">
-            <a:avLst/>
-          </a:prstGeom>
-        </p:spPr>
-        <p:txBody>
-          <a:bodyPr anchor="ctr">
-            <a:noAutofit/>
-          </a:bodyPr>
-          <a:p>
-            <a:endParaRPr b="0" lang="en-IN" sz="2400" spc="-1" strike="noStrike">
-              <a:latin typeface="Times New Roman"/>
-            </a:endParaRPr>
-          </a:p>
-        </p:txBody>
-      </p:sp>
-      <p:sp>
-        <p:nvSpPr>
-          <p:cNvPr id="45" name="PlaceHolder 5"/>
-          <p:cNvSpPr>
-            <a:spLocks noGrp="1"/>
-          </p:cNvSpPr>
-          <p:nvPr>
-            <p:ph type="sldNum"/>
-          </p:nvPr>
-        </p:nvSpPr>
-        <p:spPr>
-          <a:xfrm>
-            <a:off x="8610480" y="6356520"/>
-            <a:ext cx="2742840" cy="364680"/>
-          </a:xfrm>
-          <a:prstGeom prst="rect">
-            <a:avLst/>
-          </a:prstGeom>
-        </p:spPr>
-        <p:txBody>
-          <a:bodyPr anchor="ctr">
-            <a:noAutofit/>
-          </a:bodyPr>
-          <a:p>
-            <a:pPr algn="r">
-              <a:lnSpc>
-                <a:spcPct val="100000"/>
-              </a:lnSpc>
+              <a:t>Sixth Outline Level</a:t>
+            </a:r>
+            <a:endParaRPr b="0" lang="en-IN" sz="2000" spc="-1" strike="noStrike">
+              <a:latin typeface="Arial"/>
+            </a:endParaRPr>
+          </a:p>
+          <a:p>
+            <a:pPr lvl="6" marL="3024000" indent="-216000">
+              <a:spcBef>
+                <a:spcPts val="283"/>
+              </a:spcBef>
+              <a:buClr>
+                <a:srgbClr val="000000"/>
+              </a:buClr>
+              <a:buSzPct val="45000"/>
+              <a:buFont typeface="Wingdings" charset="2"/>
+              <a:buChar char=""/>
             </a:pPr>
-            <a:fld id="{42D30B17-977A-4C70-A2F5-206D231E69A0}" type="slidenum">
-              <a:rPr b="0" lang="en-IN" sz="1200" spc="-1" strike="noStrike">
-                <a:solidFill>
-                  <a:srgbClr val="8b8b8b"/>
-                </a:solidFill>
-                <a:latin typeface="Calibri"/>
+            <a:r>
+              <a:rPr b="0" lang="en-IN" sz="2000" spc="-1" strike="noStrike">
+                <a:latin typeface="Arial"/>
               </a:rPr>
-              <a:t>&lt;number&gt;</a:t>
-            </a:fld>
-            <a:endParaRPr b="0" lang="en-IN" sz="1200" spc="-1" strike="noStrike">
-              <a:latin typeface="Times New Roman"/>
+              <a:t>Seventh Outline Level</a:t>
+            </a:r>
+            <a:endParaRPr b="0" lang="en-IN" sz="2000" spc="-1" strike="noStrike">
+              <a:latin typeface="Arial"/>
             </a:endParaRPr>
           </a:p>
         </p:txBody>
@@ -3754,14 +3277,14 @@
       </p:grpSpPr>
       <p:sp>
         <p:nvSpPr>
-          <p:cNvPr id="82" name="TextShape 1"/>
-          <p:cNvSpPr txBox="1"/>
+          <p:cNvPr id="76" name="CustomShape 1"/>
+          <p:cNvSpPr/>
           <p:nvPr/>
         </p:nvSpPr>
         <p:spPr>
           <a:xfrm>
             <a:off x="1523880" y="1467720"/>
-            <a:ext cx="9143640" cy="2387160"/>
+            <a:ext cx="9143280" cy="2386800"/>
           </a:xfrm>
           <a:prstGeom prst="rect">
             <a:avLst/>
@@ -3771,8 +3294,14 @@
             <a:noFill/>
           </a:ln>
         </p:spPr>
-        <p:txBody>
-          <a:bodyPr anchor="b">
+        <p:style>
+          <a:lnRef idx="0"/>
+          <a:fillRef idx="0"/>
+          <a:effectRef idx="0"/>
+          <a:fontRef idx="minor"/>
+        </p:style>
+        <p:txBody>
+          <a:bodyPr lIns="90000" rIns="90000" tIns="45000" bIns="45000" anchor="b">
             <a:noAutofit/>
           </a:bodyPr>
           <a:p>
@@ -3782,7 +3311,7 @@
               </a:lnSpc>
             </a:pPr>
             <a:r>
-              <a:rPr b="1" lang="en-US" sz="6000" spc="-1" strike="noStrike">
+              <a:rPr b="1" lang="en-IN" sz="6000" spc="-1" strike="noStrike">
                 <a:solidFill>
                   <a:srgbClr val="000000"/>
                 </a:solidFill>
@@ -3790,25 +3319,22 @@
               </a:rPr>
               <a:t>Sepsis Analysis and Prediction</a:t>
             </a:r>
-            <a:endParaRPr b="0" lang="en-US" sz="6000" spc="-1" strike="noStrike">
-              <a:solidFill>
-                <a:srgbClr val="000000"/>
-              </a:solidFill>
-              <a:latin typeface="Calibri"/>
-            </a:endParaRPr>
-          </a:p>
-        </p:txBody>
-      </p:sp>
-      <p:sp>
-        <p:nvSpPr>
-          <p:cNvPr id="83" name="TextShape 2"/>
-          <p:cNvSpPr txBox="1"/>
+            <a:endParaRPr b="0" lang="en-IN" sz="6000" spc="-1" strike="noStrike">
+              <a:latin typeface="Arial"/>
+            </a:endParaRPr>
+          </a:p>
+        </p:txBody>
+      </p:sp>
+      <p:sp>
+        <p:nvSpPr>
+          <p:cNvPr id="77" name="CustomShape 2"/>
+          <p:cNvSpPr/>
           <p:nvPr/>
         </p:nvSpPr>
         <p:spPr>
           <a:xfrm>
             <a:off x="1523880" y="3818880"/>
-            <a:ext cx="9143640" cy="2457000"/>
+            <a:ext cx="9143280" cy="2456640"/>
           </a:xfrm>
           <a:prstGeom prst="rect">
             <a:avLst/>
@@ -3818,8 +3344,14 @@
             <a:noFill/>
           </a:ln>
         </p:spPr>
-        <p:txBody>
-          <a:bodyPr>
+        <p:style>
+          <a:lnRef idx="0"/>
+          <a:fillRef idx="0"/>
+          <a:effectRef idx="0"/>
+          <a:fontRef idx="minor"/>
+        </p:style>
+        <p:txBody>
+          <a:bodyPr lIns="90000" rIns="90000" tIns="45000" bIns="45000">
             <a:normAutofit fontScale="97000"/>
           </a:bodyPr>
           <a:p>
@@ -3936,7 +3468,7 @@
       </p:sp>
       <p:pic>
         <p:nvPicPr>
-          <p:cNvPr id="84" name="Picture 3" descr=""/>
+          <p:cNvPr id="78" name="Picture 3" descr=""/>
           <p:cNvPicPr/>
           <p:nvPr/>
         </p:nvPicPr>
@@ -3947,7 +3479,7 @@
         <p:spPr>
           <a:xfrm>
             <a:off x="599760" y="310320"/>
-            <a:ext cx="2350800" cy="2350800"/>
+            <a:ext cx="2350440" cy="2350440"/>
           </a:xfrm>
           <a:prstGeom prst="rect">
             <a:avLst/>
@@ -3959,7 +3491,7 @@
       </p:pic>
       <p:pic>
         <p:nvPicPr>
-          <p:cNvPr id="85" name="Picture 2" descr="GTU Recruitment 2018 - Apply Online for 35 Teaching Posts"/>
+          <p:cNvPr id="79" name="Picture 2" descr="GTU Recruitment 2018 - Apply Online for 35 Teaching Posts"/>
           <p:cNvPicPr/>
           <p:nvPr/>
         </p:nvPicPr>
@@ -3970,7 +3502,7 @@
         <p:spPr>
           <a:xfrm>
             <a:off x="8709840" y="414360"/>
-            <a:ext cx="2526840" cy="2419920"/>
+            <a:ext cx="2526480" cy="2419560"/>
           </a:xfrm>
           <a:prstGeom prst="rect">
             <a:avLst/>
@@ -4012,14 +3544,14 @@
       </p:grpSpPr>
       <p:sp>
         <p:nvSpPr>
-          <p:cNvPr id="105" name="TextShape 1"/>
-          <p:cNvSpPr txBox="1"/>
+          <p:cNvPr id="99" name="CustomShape 1"/>
+          <p:cNvSpPr/>
           <p:nvPr/>
         </p:nvSpPr>
         <p:spPr>
           <a:xfrm>
             <a:off x="838080" y="365040"/>
-            <a:ext cx="10515240" cy="1325160"/>
+            <a:ext cx="10514880" cy="1324800"/>
           </a:xfrm>
           <a:prstGeom prst="rect">
             <a:avLst/>
@@ -4029,8 +3561,14 @@
             <a:noFill/>
           </a:ln>
         </p:spPr>
-        <p:txBody>
-          <a:bodyPr anchor="ctr">
+        <p:style>
+          <a:lnRef idx="0"/>
+          <a:fillRef idx="0"/>
+          <a:effectRef idx="0"/>
+          <a:fontRef idx="minor"/>
+        </p:style>
+        <p:txBody>
+          <a:bodyPr lIns="90000" rIns="90000" tIns="45000" bIns="45000" anchor="ctr">
             <a:noAutofit/>
           </a:bodyPr>
           <a:p>
@@ -4040,7 +3578,7 @@
               </a:lnSpc>
             </a:pPr>
             <a:r>
-              <a:rPr b="1" lang="en-US" sz="4400" spc="-1" strike="noStrike">
+              <a:rPr b="1" lang="en-IN" sz="4400" spc="-1" strike="noStrike">
                 <a:solidFill>
                   <a:srgbClr val="000000"/>
                 </a:solidFill>
@@ -4048,25 +3586,22 @@
               </a:rPr>
               <a:t>Accuracy scores of NN</a:t>
             </a:r>
-            <a:endParaRPr b="0" lang="en-US" sz="4400" spc="-1" strike="noStrike">
-              <a:solidFill>
-                <a:srgbClr val="000000"/>
-              </a:solidFill>
-              <a:latin typeface="Calibri"/>
-            </a:endParaRPr>
-          </a:p>
-        </p:txBody>
-      </p:sp>
-      <p:sp>
-        <p:nvSpPr>
-          <p:cNvPr id="106" name="TextShape 2"/>
-          <p:cNvSpPr txBox="1"/>
+            <a:endParaRPr b="0" lang="en-IN" sz="4400" spc="-1" strike="noStrike">
+              <a:latin typeface="Arial"/>
+            </a:endParaRPr>
+          </a:p>
+        </p:txBody>
+      </p:sp>
+      <p:sp>
+        <p:nvSpPr>
+          <p:cNvPr id="100" name="CustomShape 2"/>
+          <p:cNvSpPr/>
           <p:nvPr/>
         </p:nvSpPr>
         <p:spPr>
           <a:xfrm>
             <a:off x="838080" y="1825560"/>
-            <a:ext cx="10515240" cy="4350960"/>
+            <a:ext cx="10514880" cy="4350600"/>
           </a:xfrm>
           <a:prstGeom prst="rect">
             <a:avLst/>
@@ -4076,12 +3611,18 @@
             <a:noFill/>
           </a:ln>
         </p:spPr>
-        <p:txBody>
-          <a:bodyPr>
+        <p:style>
+          <a:lnRef idx="0"/>
+          <a:fillRef idx="0"/>
+          <a:effectRef idx="0"/>
+          <a:fontRef idx="minor"/>
+        </p:style>
+        <p:txBody>
+          <a:bodyPr lIns="90000" rIns="90000" tIns="45000" bIns="45000">
             <a:normAutofit/>
           </a:bodyPr>
           <a:p>
-            <a:pPr marL="228600" indent="-228240">
+            <a:pPr marL="228600" indent="-227880">
               <a:lnSpc>
                 <a:spcPct val="90000"/>
               </a:lnSpc>
@@ -4095,7 +3636,7 @@
               <a:buChar char="•"/>
             </a:pPr>
             <a:r>
-              <a:rPr b="0" lang="en-US" sz="3600" spc="-1" strike="noStrike">
+              <a:rPr b="0" lang="en-IN" sz="3600" spc="-1" strike="noStrike">
                 <a:solidFill>
                   <a:srgbClr val="000000"/>
                 </a:solidFill>
@@ -4103,15 +3644,12 @@
               </a:rPr>
               <a:t>F1 Score : 74.78%</a:t>
             </a:r>
-            <a:endParaRPr b="0" lang="en-US" sz="3600" spc="-1" strike="noStrike">
-              <a:solidFill>
-                <a:srgbClr val="000000"/>
-              </a:solidFill>
-              <a:latin typeface="Calibri"/>
-            </a:endParaRPr>
-          </a:p>
-          <a:p>
-            <a:pPr marL="228600" indent="-228240">
+            <a:endParaRPr b="0" lang="en-IN" sz="3600" spc="-1" strike="noStrike">
+              <a:latin typeface="Arial"/>
+            </a:endParaRPr>
+          </a:p>
+          <a:p>
+            <a:pPr marL="228600" indent="-227880">
               <a:lnSpc>
                 <a:spcPct val="90000"/>
               </a:lnSpc>
@@ -4125,7 +3663,7 @@
               <a:buChar char="•"/>
             </a:pPr>
             <a:r>
-              <a:rPr b="0" lang="en-US" sz="3600" spc="-1" strike="noStrike">
+              <a:rPr b="0" lang="en-IN" sz="3600" spc="-1" strike="noStrike">
                 <a:solidFill>
                   <a:srgbClr val="000000"/>
                 </a:solidFill>
@@ -4133,15 +3671,12 @@
               </a:rPr>
               <a:t>Recall Score : 61.31%</a:t>
             </a:r>
-            <a:endParaRPr b="0" lang="en-US" sz="3600" spc="-1" strike="noStrike">
-              <a:solidFill>
-                <a:srgbClr val="000000"/>
-              </a:solidFill>
-              <a:latin typeface="Calibri"/>
-            </a:endParaRPr>
-          </a:p>
-          <a:p>
-            <a:pPr marL="228600" indent="-228240">
+            <a:endParaRPr b="0" lang="en-IN" sz="3600" spc="-1" strike="noStrike">
+              <a:latin typeface="Arial"/>
+            </a:endParaRPr>
+          </a:p>
+          <a:p>
+            <a:pPr marL="228600" indent="-227880">
               <a:lnSpc>
                 <a:spcPct val="90000"/>
               </a:lnSpc>
@@ -4155,7 +3690,7 @@
               <a:buChar char="•"/>
             </a:pPr>
             <a:r>
-              <a:rPr b="0" lang="en-US" sz="3600" spc="-1" strike="noStrike">
+              <a:rPr b="0" lang="en-IN" sz="3600" spc="-1" strike="noStrike">
                 <a:solidFill>
                   <a:srgbClr val="000000"/>
                 </a:solidFill>
@@ -4163,18 +3698,15 @@
               </a:rPr>
               <a:t>Precision Score : 95.83%</a:t>
             </a:r>
-            <a:endParaRPr b="0" lang="en-US" sz="3600" spc="-1" strike="noStrike">
-              <a:solidFill>
-                <a:srgbClr val="000000"/>
-              </a:solidFill>
-              <a:latin typeface="Calibri"/>
+            <a:endParaRPr b="0" lang="en-IN" sz="3600" spc="-1" strike="noStrike">
+              <a:latin typeface="Arial"/>
             </a:endParaRPr>
           </a:p>
         </p:txBody>
       </p:sp>
       <p:pic>
         <p:nvPicPr>
-          <p:cNvPr id="107" name="Picture 3" descr=""/>
+          <p:cNvPr id="101" name="Picture 3" descr=""/>
           <p:cNvPicPr/>
           <p:nvPr/>
         </p:nvPicPr>
@@ -4185,7 +3717,7 @@
         <p:spPr>
           <a:xfrm>
             <a:off x="6095880" y="1690560"/>
-            <a:ext cx="4978800" cy="3530520"/>
+            <a:ext cx="4978440" cy="3530160"/>
           </a:xfrm>
           <a:prstGeom prst="rect">
             <a:avLst/>
@@ -4198,7 +3730,7 @@
     </p:spTree>
   </p:cSld>
   <p:transition spd="slow">
-    <p:cover dir="r"/>
+    <p:cover dir="l"/>
   </p:transition>
 </p:sld>
 </file>
@@ -4222,14 +3754,14 @@
       </p:grpSpPr>
       <p:sp>
         <p:nvSpPr>
-          <p:cNvPr id="108" name="TextShape 1"/>
-          <p:cNvSpPr txBox="1"/>
+          <p:cNvPr id="102" name="CustomShape 1"/>
+          <p:cNvSpPr/>
           <p:nvPr/>
         </p:nvSpPr>
         <p:spPr>
           <a:xfrm>
             <a:off x="838080" y="365040"/>
-            <a:ext cx="10515240" cy="1325160"/>
+            <a:ext cx="10514880" cy="1324800"/>
           </a:xfrm>
           <a:prstGeom prst="rect">
             <a:avLst/>
@@ -4239,8 +3771,14 @@
             <a:noFill/>
           </a:ln>
         </p:spPr>
-        <p:txBody>
-          <a:bodyPr anchor="ctr">
+        <p:style>
+          <a:lnRef idx="0"/>
+          <a:fillRef idx="0"/>
+          <a:effectRef idx="0"/>
+          <a:fontRef idx="minor"/>
+        </p:style>
+        <p:txBody>
+          <a:bodyPr lIns="90000" rIns="90000" tIns="45000" bIns="45000" anchor="ctr">
             <a:noAutofit/>
           </a:bodyPr>
           <a:p>
@@ -4250,7 +3788,7 @@
               </a:lnSpc>
             </a:pPr>
             <a:r>
-              <a:rPr b="1" lang="en-US" sz="4400" spc="-1" strike="noStrike">
+              <a:rPr b="1" lang="en-IN" sz="4400" spc="-1" strike="noStrike">
                 <a:solidFill>
                   <a:srgbClr val="000000"/>
                 </a:solidFill>
@@ -4258,18 +3796,15 @@
               </a:rPr>
               <a:t>Web Portal</a:t>
             </a:r>
-            <a:endParaRPr b="0" lang="en-US" sz="4400" spc="-1" strike="noStrike">
-              <a:solidFill>
-                <a:srgbClr val="000000"/>
-              </a:solidFill>
-              <a:latin typeface="Calibri"/>
+            <a:endParaRPr b="0" lang="en-IN" sz="4400" spc="-1" strike="noStrike">
+              <a:latin typeface="Arial"/>
             </a:endParaRPr>
           </a:p>
         </p:txBody>
       </p:sp>
       <p:pic>
         <p:nvPicPr>
-          <p:cNvPr id="109" name="" descr=""/>
+          <p:cNvPr id="103" name="" descr=""/>
           <p:cNvPicPr/>
           <p:nvPr/>
         </p:nvPicPr>
@@ -4280,7 +3815,7 @@
         <p:spPr>
           <a:xfrm>
             <a:off x="794880" y="1512000"/>
-            <a:ext cx="10653120" cy="5011200"/>
+            <a:ext cx="10652760" cy="5010840"/>
           </a:xfrm>
           <a:prstGeom prst="rect">
             <a:avLst/>
@@ -4293,7 +3828,7 @@
     </p:spTree>
   </p:cSld>
   <p:transition spd="slow">
-    <p:cover dir="r"/>
+    <p:cover dir="l"/>
   </p:transition>
 </p:sld>
 </file>
@@ -4315,9 +3850,59 @@
           <a:chExt cx="0" cy="0"/>
         </a:xfrm>
       </p:grpSpPr>
+      <p:sp>
+        <p:nvSpPr>
+          <p:cNvPr id="104" name="CustomShape 1"/>
+          <p:cNvSpPr/>
+          <p:nvPr/>
+        </p:nvSpPr>
+        <p:spPr>
+          <a:xfrm>
+            <a:off x="838080" y="365040"/>
+            <a:ext cx="10514880" cy="1324800"/>
+          </a:xfrm>
+          <a:prstGeom prst="rect">
+            <a:avLst/>
+          </a:prstGeom>
+          <a:noFill/>
+          <a:ln>
+            <a:noFill/>
+          </a:ln>
+        </p:spPr>
+        <p:style>
+          <a:lnRef idx="0"/>
+          <a:fillRef idx="0"/>
+          <a:effectRef idx="0"/>
+          <a:fontRef idx="minor"/>
+        </p:style>
+        <p:txBody>
+          <a:bodyPr lIns="90000" rIns="90000" tIns="45000" bIns="45000" anchor="ctr">
+            <a:noAutofit/>
+          </a:bodyPr>
+          <a:p>
+            <a:pPr algn="ctr">
+              <a:lnSpc>
+                <a:spcPct val="90000"/>
+              </a:lnSpc>
+            </a:pPr>
+            <a:r>
+              <a:rPr b="1" lang="en-IN" sz="4400" spc="-1" strike="noStrike">
+                <a:solidFill>
+                  <a:srgbClr val="000000"/>
+                </a:solidFill>
+                <a:latin typeface="Calibri Light"/>
+              </a:rPr>
+              <a:t>Web Portal</a:t>
+            </a:r>
+            <a:endParaRPr b="0" lang="en-IN" sz="4400" spc="-1" strike="noStrike">
+              <a:latin typeface="Arial"/>
+            </a:endParaRPr>
+          </a:p>
+        </p:txBody>
+      </p:sp>
       <p:pic>
         <p:nvPicPr>
-          <p:cNvPr id="110" name="Content Placeholder 3" descr=""/>
+          <p:cNvPr id="105" name="" descr=""/>
           <p:cNvPicPr/>
           <p:nvPr/>
         </p:nvPicPr>
@@ -4327,8 +3912,8 @@
         </p:blipFill>
         <p:spPr>
           <a:xfrm>
-            <a:off x="1676160" y="558360"/>
-            <a:ext cx="8549280" cy="5700240"/>
+            <a:off x="792000" y="1512000"/>
+            <a:ext cx="10656000" cy="5013000"/>
           </a:xfrm>
           <a:prstGeom prst="rect">
             <a:avLst/>
@@ -4341,7 +3926,7 @@
     </p:spTree>
   </p:cSld>
   <p:transition spd="slow">
-    <p:push dir="u"/>
+    <p:cover dir="l"/>
   </p:transition>
 </p:sld>
 </file>
@@ -4363,16 +3948,64 @@
           <a:chExt cx="0" cy="0"/>
         </a:xfrm>
       </p:grpSpPr>
-      <p:sp>
-        <p:nvSpPr>
-          <p:cNvPr id="111" name="TextShape 1"/>
-          <p:cNvSpPr txBox="1"/>
+      <p:pic>
+        <p:nvPicPr>
+          <p:cNvPr id="106" name="Content Placeholder 3" descr=""/>
+          <p:cNvPicPr/>
           <p:nvPr/>
+        </p:nvPicPr>
+        <p:blipFill>
+          <a:blip r:embed="rId1"/>
+          <a:stretch/>
+        </p:blipFill>
+        <p:spPr>
+          <a:xfrm>
+            <a:off x="1676160" y="558360"/>
+            <a:ext cx="8548920" cy="5699880"/>
+          </a:xfrm>
+          <a:prstGeom prst="rect">
+            <a:avLst/>
+          </a:prstGeom>
+          <a:ln>
+            <a:noFill/>
+          </a:ln>
+        </p:spPr>
+      </p:pic>
+    </p:spTree>
+  </p:cSld>
+  <p:transition spd="slow">
+    <p:push dir="u"/>
+  </p:transition>
+</p:sld>
+</file>
+
+<file path=ppt/slides/slide14.xml><?xml version="1.0" encoding="utf-8"?>
+<p:sld xmlns:a="http://schemas.openxmlformats.org/drawingml/2006/main" xmlns:p="http://schemas.openxmlformats.org/presentationml/2006/main" xmlns:r="http://schemas.openxmlformats.org/officeDocument/2006/relationships" xmlns:p14="http://schemas.microsoft.com/office/powerpoint/2010/main" xmlns:p15="http://schemas.microsoft.com/office/powerpoint/2012/main" xmlns:mc="http://schemas.openxmlformats.org/markup-compatibility/2006">
+  <p:cSld>
+    <p:spTree>
+      <p:nvGrpSpPr>
+        <p:cNvPr id="1" name=""/>
+        <p:cNvGrpSpPr/>
+        <p:nvPr/>
+      </p:nvGrpSpPr>
+      <p:grpSpPr>
+        <a:xfrm>
+          <a:off x="0" y="0"/>
+          <a:ext cx="0" cy="0"/>
+          <a:chOff x="0" y="0"/>
+          <a:chExt cx="0" cy="0"/>
+        </a:xfrm>
+      </p:grpSpPr>
+      <p:sp>
+        <p:nvSpPr>
+          <p:cNvPr id="107" name="CustomShape 1"/>
+          <p:cNvSpPr/>
+          <p:nvPr/>
         </p:nvSpPr>
         <p:spPr>
           <a:xfrm>
             <a:off x="990720" y="2136600"/>
-            <a:ext cx="10515240" cy="1325160"/>
+            <a:ext cx="10514880" cy="1324800"/>
           </a:xfrm>
           <a:prstGeom prst="rect">
             <a:avLst/>
@@ -4382,8 +4015,14 @@
             <a:noFill/>
           </a:ln>
         </p:spPr>
-        <p:txBody>
-          <a:bodyPr anchor="ctr">
+        <p:style>
+          <a:lnRef idx="0"/>
+          <a:fillRef idx="0"/>
+          <a:effectRef idx="0"/>
+          <a:fontRef idx="minor"/>
+        </p:style>
+        <p:txBody>
+          <a:bodyPr lIns="90000" rIns="90000" tIns="45000" bIns="45000" anchor="ctr">
             <a:noAutofit/>
           </a:bodyPr>
           <a:p>
@@ -4393,7 +4032,7 @@
               </a:lnSpc>
             </a:pPr>
             <a:r>
-              <a:rPr b="1" lang="en-US" sz="4400" spc="-1" strike="noStrike">
+              <a:rPr b="1" lang="en-IN" sz="4400" spc="-1" strike="noStrike">
                 <a:solidFill>
                   <a:srgbClr val="000000"/>
                 </a:solidFill>
@@ -4401,25 +4040,22 @@
               </a:rPr>
               <a:t>Thank You </a:t>
             </a:r>
-            <a:endParaRPr b="0" lang="en-US" sz="4400" spc="-1" strike="noStrike">
-              <a:solidFill>
-                <a:srgbClr val="000000"/>
-              </a:solidFill>
-              <a:latin typeface="Calibri"/>
-            </a:endParaRPr>
-          </a:p>
-        </p:txBody>
-      </p:sp>
-      <p:sp>
-        <p:nvSpPr>
-          <p:cNvPr id="112" name="TextShape 2"/>
-          <p:cNvSpPr txBox="1"/>
+            <a:endParaRPr b="0" lang="en-IN" sz="4400" spc="-1" strike="noStrike">
+              <a:latin typeface="Arial"/>
+            </a:endParaRPr>
+          </a:p>
+        </p:txBody>
+      </p:sp>
+      <p:sp>
+        <p:nvSpPr>
+          <p:cNvPr id="108" name="CustomShape 2"/>
+          <p:cNvSpPr/>
           <p:nvPr/>
         </p:nvSpPr>
         <p:spPr>
           <a:xfrm>
             <a:off x="838080" y="1825560"/>
-            <a:ext cx="10515240" cy="4350960"/>
+            <a:ext cx="10514880" cy="4350600"/>
           </a:xfrm>
           <a:prstGeom prst="rect">
             <a:avLst/>
@@ -4429,19 +4065,12 @@
             <a:noFill/>
           </a:ln>
         </p:spPr>
-        <p:txBody>
-          <a:bodyPr>
-            <a:noAutofit/>
-          </a:bodyPr>
-          <a:p>
-            <a:endParaRPr b="0" lang="en-US" sz="2800" spc="-1" strike="noStrike">
-              <a:solidFill>
-                <a:srgbClr val="000000"/>
-              </a:solidFill>
-              <a:latin typeface="Calibri"/>
-            </a:endParaRPr>
-          </a:p>
-        </p:txBody>
+        <p:style>
+          <a:lnRef idx="0"/>
+          <a:fillRef idx="0"/>
+          <a:effectRef idx="0"/>
+          <a:fontRef idx="minor"/>
+        </p:style>
       </p:sp>
     </p:spTree>
   </p:cSld>
@@ -4475,14 +4104,14 @@
       </p:grpSpPr>
       <p:sp>
         <p:nvSpPr>
-          <p:cNvPr id="86" name="TextShape 1"/>
-          <p:cNvSpPr txBox="1"/>
+          <p:cNvPr id="80" name="CustomShape 1"/>
+          <p:cNvSpPr/>
           <p:nvPr/>
         </p:nvSpPr>
         <p:spPr>
           <a:xfrm>
             <a:off x="838080" y="365040"/>
-            <a:ext cx="10515240" cy="1325160"/>
+            <a:ext cx="10514880" cy="1324800"/>
           </a:xfrm>
           <a:prstGeom prst="rect">
             <a:avLst/>
@@ -4492,8 +4121,14 @@
             <a:noFill/>
           </a:ln>
         </p:spPr>
-        <p:txBody>
-          <a:bodyPr anchor="ctr">
+        <p:style>
+          <a:lnRef idx="0"/>
+          <a:fillRef idx="0"/>
+          <a:effectRef idx="0"/>
+          <a:fontRef idx="minor"/>
+        </p:style>
+        <p:txBody>
+          <a:bodyPr lIns="90000" rIns="90000" tIns="45000" bIns="45000" anchor="ctr">
             <a:normAutofit/>
           </a:bodyPr>
           <a:p>
@@ -4503,7 +4138,7 @@
               </a:lnSpc>
             </a:pPr>
             <a:r>
-              <a:rPr b="1" lang="en-US" sz="4800" spc="-1" strike="noStrike">
+              <a:rPr b="1" lang="en-IN" sz="4800" spc="-1" strike="noStrike">
                 <a:solidFill>
                   <a:srgbClr val="2e75b6"/>
                 </a:solidFill>
@@ -4511,25 +4146,22 @@
               </a:rPr>
               <a:t>Why ?</a:t>
             </a:r>
-            <a:endParaRPr b="0" lang="en-US" sz="4800" spc="-1" strike="noStrike">
-              <a:solidFill>
-                <a:srgbClr val="000000"/>
-              </a:solidFill>
-              <a:latin typeface="Calibri"/>
-            </a:endParaRPr>
-          </a:p>
-        </p:txBody>
-      </p:sp>
-      <p:sp>
-        <p:nvSpPr>
-          <p:cNvPr id="87" name="TextShape 2"/>
-          <p:cNvSpPr txBox="1"/>
+            <a:endParaRPr b="0" lang="en-IN" sz="4800" spc="-1" strike="noStrike">
+              <a:latin typeface="Arial"/>
+            </a:endParaRPr>
+          </a:p>
+        </p:txBody>
+      </p:sp>
+      <p:sp>
+        <p:nvSpPr>
+          <p:cNvPr id="81" name="CustomShape 2"/>
+          <p:cNvSpPr/>
           <p:nvPr/>
         </p:nvSpPr>
         <p:spPr>
           <a:xfrm>
             <a:off x="838080" y="1690560"/>
-            <a:ext cx="10515240" cy="4350960"/>
+            <a:ext cx="10514880" cy="4350600"/>
           </a:xfrm>
           <a:prstGeom prst="rect">
             <a:avLst/>
@@ -4539,12 +4171,18 @@
             <a:noFill/>
           </a:ln>
         </p:spPr>
-        <p:txBody>
-          <a:bodyPr>
+        <p:style>
+          <a:lnRef idx="0"/>
+          <a:fillRef idx="0"/>
+          <a:effectRef idx="0"/>
+          <a:fontRef idx="minor"/>
+        </p:style>
+        <p:txBody>
+          <a:bodyPr lIns="90000" rIns="90000" tIns="45000" bIns="45000">
             <a:normAutofit/>
           </a:bodyPr>
           <a:p>
-            <a:pPr marL="228600" indent="-228240">
+            <a:pPr marL="228600" indent="-227880">
               <a:lnSpc>
                 <a:spcPct val="90000"/>
               </a:lnSpc>
@@ -4558,7 +4196,7 @@
               <a:buChar char="•"/>
             </a:pPr>
             <a:r>
-              <a:rPr b="0" lang="en-US" sz="3200" spc="-1" strike="noStrike">
+              <a:rPr b="0" lang="en-IN" sz="3200" spc="-1" strike="noStrike">
                 <a:solidFill>
                   <a:srgbClr val="000000"/>
                 </a:solidFill>
@@ -4566,15 +4204,12 @@
               </a:rPr>
               <a:t>There are too many manual processes in medicine. While doctors are under training they have to prescribe from lab values , diagnoses and other chart notes. </a:t>
             </a:r>
-            <a:endParaRPr b="0" lang="en-US" sz="3200" spc="-1" strike="noStrike">
-              <a:solidFill>
-                <a:srgbClr val="000000"/>
-              </a:solidFill>
-              <a:latin typeface="Calibri"/>
-            </a:endParaRPr>
-          </a:p>
-          <a:p>
-            <a:pPr marL="228600" indent="-228240">
+            <a:endParaRPr b="0" lang="en-IN" sz="3200" spc="-1" strike="noStrike">
+              <a:latin typeface="Arial"/>
+            </a:endParaRPr>
+          </a:p>
+          <a:p>
+            <a:pPr marL="228600" indent="-227880">
               <a:lnSpc>
                 <a:spcPct val="90000"/>
               </a:lnSpc>
@@ -4588,7 +4223,7 @@
               <a:buChar char="•"/>
             </a:pPr>
             <a:r>
-              <a:rPr b="0" lang="en-US" sz="3200" spc="-1" strike="noStrike">
+              <a:rPr b="0" lang="en-IN" sz="3200" spc="-1" strike="noStrike">
                 <a:solidFill>
                   <a:srgbClr val="000000"/>
                 </a:solidFill>
@@ -4596,11 +4231,8 @@
               </a:rPr>
               <a:t>Healthcare  industry generates piles of data which contains information like medical records of patients , clinical measurements , body fluids , imaging reports , survival data, and more. </a:t>
             </a:r>
-            <a:endParaRPr b="0" lang="en-US" sz="3200" spc="-1" strike="noStrike">
-              <a:solidFill>
-                <a:srgbClr val="000000"/>
-              </a:solidFill>
-              <a:latin typeface="Calibri"/>
+            <a:endParaRPr b="0" lang="en-IN" sz="3200" spc="-1" strike="noStrike">
+              <a:latin typeface="Arial"/>
             </a:endParaRPr>
           </a:p>
         </p:txBody>
@@ -4637,14 +4269,14 @@
       </p:grpSpPr>
       <p:sp>
         <p:nvSpPr>
-          <p:cNvPr id="88" name="TextShape 1"/>
-          <p:cNvSpPr txBox="1"/>
+          <p:cNvPr id="82" name="CustomShape 1"/>
+          <p:cNvSpPr/>
           <p:nvPr/>
         </p:nvSpPr>
         <p:spPr>
           <a:xfrm>
             <a:off x="838080" y="365040"/>
-            <a:ext cx="10515240" cy="1325160"/>
+            <a:ext cx="10514880" cy="1324800"/>
           </a:xfrm>
           <a:prstGeom prst="rect">
             <a:avLst/>
@@ -4654,23 +4286,16 @@
             <a:noFill/>
           </a:ln>
         </p:spPr>
-        <p:txBody>
-          <a:bodyPr anchor="ctr">
-            <a:noAutofit/>
-          </a:bodyPr>
-          <a:p>
-            <a:endParaRPr b="0" lang="en-US" sz="1800" spc="-1" strike="noStrike">
-              <a:solidFill>
-                <a:srgbClr val="000000"/>
-              </a:solidFill>
-              <a:latin typeface="Calibri"/>
-            </a:endParaRPr>
-          </a:p>
-        </p:txBody>
+        <p:style>
+          <a:lnRef idx="0"/>
+          <a:fillRef idx="0"/>
+          <a:effectRef idx="0"/>
+          <a:fontRef idx="minor"/>
+        </p:style>
       </p:sp>
       <p:pic>
         <p:nvPicPr>
-          <p:cNvPr id="89" name="Content Placeholder 3" descr=""/>
+          <p:cNvPr id="83" name="Content Placeholder 3" descr=""/>
           <p:cNvPicPr/>
           <p:nvPr/>
         </p:nvPicPr>
@@ -4681,7 +4306,7 @@
         <p:spPr>
           <a:xfrm>
             <a:off x="838080" y="519840"/>
-            <a:ext cx="10649160" cy="5590440"/>
+            <a:ext cx="10648800" cy="5590080"/>
           </a:xfrm>
           <a:prstGeom prst="rect">
             <a:avLst/>
@@ -4727,14 +4352,14 @@
       </p:grpSpPr>
       <p:sp>
         <p:nvSpPr>
-          <p:cNvPr id="90" name="TextShape 1"/>
-          <p:cNvSpPr txBox="1"/>
+          <p:cNvPr id="84" name="CustomShape 1"/>
+          <p:cNvSpPr/>
           <p:nvPr/>
         </p:nvSpPr>
         <p:spPr>
           <a:xfrm>
             <a:off x="838080" y="365040"/>
-            <a:ext cx="10515240" cy="1325160"/>
+            <a:ext cx="10514880" cy="1324800"/>
           </a:xfrm>
           <a:prstGeom prst="rect">
             <a:avLst/>
@@ -4744,8 +4369,14 @@
             <a:noFill/>
           </a:ln>
         </p:spPr>
-        <p:txBody>
-          <a:bodyPr anchor="ctr">
+        <p:style>
+          <a:lnRef idx="0"/>
+          <a:fillRef idx="0"/>
+          <a:effectRef idx="0"/>
+          <a:fontRef idx="minor"/>
+        </p:style>
+        <p:txBody>
+          <a:bodyPr lIns="90000" rIns="90000" tIns="45000" bIns="45000" anchor="ctr">
             <a:noAutofit/>
           </a:bodyPr>
           <a:p>
@@ -4755,7 +4386,7 @@
               </a:lnSpc>
             </a:pPr>
             <a:r>
-              <a:rPr b="1" lang="en-US" sz="4400" spc="-1" strike="noStrike">
+              <a:rPr b="1" lang="en-IN" sz="4400" spc="-1" strike="noStrike">
                 <a:solidFill>
                   <a:srgbClr val="ed7d31"/>
                 </a:solidFill>
@@ -4763,25 +4394,22 @@
               </a:rPr>
               <a:t>What is Sepsis ?</a:t>
             </a:r>
-            <a:endParaRPr b="0" lang="en-US" sz="4400" spc="-1" strike="noStrike">
-              <a:solidFill>
-                <a:srgbClr val="000000"/>
-              </a:solidFill>
-              <a:latin typeface="Calibri"/>
-            </a:endParaRPr>
-          </a:p>
-        </p:txBody>
-      </p:sp>
-      <p:sp>
-        <p:nvSpPr>
-          <p:cNvPr id="91" name="TextShape 2"/>
-          <p:cNvSpPr txBox="1"/>
+            <a:endParaRPr b="0" lang="en-IN" sz="4400" spc="-1" strike="noStrike">
+              <a:latin typeface="Arial"/>
+            </a:endParaRPr>
+          </a:p>
+        </p:txBody>
+      </p:sp>
+      <p:sp>
+        <p:nvSpPr>
+          <p:cNvPr id="85" name="CustomShape 2"/>
+          <p:cNvSpPr/>
           <p:nvPr/>
         </p:nvSpPr>
         <p:spPr>
           <a:xfrm>
             <a:off x="838080" y="1825560"/>
-            <a:ext cx="10515240" cy="4350960"/>
+            <a:ext cx="10514880" cy="4350600"/>
           </a:xfrm>
           <a:prstGeom prst="rect">
             <a:avLst/>
@@ -4791,12 +4419,18 @@
             <a:noFill/>
           </a:ln>
         </p:spPr>
-        <p:txBody>
-          <a:bodyPr>
+        <p:style>
+          <a:lnRef idx="0"/>
+          <a:fillRef idx="0"/>
+          <a:effectRef idx="0"/>
+          <a:fontRef idx="minor"/>
+        </p:style>
+        <p:txBody>
+          <a:bodyPr lIns="90000" rIns="90000" tIns="45000" bIns="45000">
             <a:noAutofit/>
           </a:bodyPr>
           <a:p>
-            <a:pPr marL="228600" indent="-228240">
+            <a:pPr marL="228600" indent="-227880">
               <a:lnSpc>
                 <a:spcPct val="90000"/>
               </a:lnSpc>
@@ -4810,7 +4444,7 @@
               <a:buChar char="•"/>
             </a:pPr>
             <a:r>
-              <a:rPr b="0" lang="en-US" sz="3200" spc="-1" strike="noStrike">
+              <a:rPr b="0" lang="en-IN" sz="3200" spc="-1" strike="noStrike">
                 <a:solidFill>
                   <a:srgbClr val="000000"/>
                 </a:solidFill>
@@ -4818,11 +4452,8 @@
               </a:rPr>
               <a:t>Sepsis is life threatening condition caused by body’s response to an infection.  Body normally releases chemicals into the bloodstream to fight an infection. Sepsis occurs when body’s response to these chemicals is out of balance, triggering changes that can damage multiple organ systems</a:t>
             </a:r>
-            <a:endParaRPr b="0" lang="en-US" sz="3200" spc="-1" strike="noStrike">
-              <a:solidFill>
-                <a:srgbClr val="000000"/>
-              </a:solidFill>
-              <a:latin typeface="Calibri"/>
+            <a:endParaRPr b="0" lang="en-IN" sz="3200" spc="-1" strike="noStrike">
+              <a:latin typeface="Arial"/>
             </a:endParaRPr>
           </a:p>
           <a:p>
@@ -4834,15 +4465,12 @@
                 <a:spcPts val="1001"/>
               </a:spcBef>
             </a:pPr>
-            <a:endParaRPr b="0" lang="en-US" sz="3200" spc="-1" strike="noStrike">
-              <a:solidFill>
-                <a:srgbClr val="000000"/>
-              </a:solidFill>
-              <a:latin typeface="Calibri"/>
-            </a:endParaRPr>
-          </a:p>
-          <a:p>
-            <a:pPr marL="228600" indent="-228240">
+            <a:endParaRPr b="0" lang="en-IN" sz="3200" spc="-1" strike="noStrike">
+              <a:latin typeface="Arial"/>
+            </a:endParaRPr>
+          </a:p>
+          <a:p>
+            <a:pPr marL="228600" indent="-227880">
               <a:lnSpc>
                 <a:spcPct val="90000"/>
               </a:lnSpc>
@@ -4856,7 +4484,7 @@
               <a:buChar char="•"/>
             </a:pPr>
             <a:r>
-              <a:rPr b="0" lang="en-US" sz="3200" spc="-1" strike="noStrike">
+              <a:rPr b="0" lang="en-IN" sz="3200" spc="-1" strike="noStrike">
                 <a:solidFill>
                   <a:srgbClr val="000000"/>
                 </a:solidFill>
@@ -4865,7 +4493,7 @@
               <a:t>A study published in 2016 reported that nearly 1/3</a:t>
             </a:r>
             <a:r>
-              <a:rPr b="0" lang="en-US" sz="3200" spc="-1" strike="noStrike" baseline="30000">
+              <a:rPr b="0" lang="en-IN" sz="3200" spc="-1" strike="noStrike" baseline="30000">
                 <a:solidFill>
                   <a:srgbClr val="000000"/>
                 </a:solidFill>
@@ -4874,7 +4502,7 @@
               <a:t>rd</a:t>
             </a:r>
             <a:r>
-              <a:rPr b="0" lang="en-US" sz="3200" spc="-1" strike="noStrike">
+              <a:rPr b="0" lang="en-IN" sz="3200" spc="-1" strike="noStrike">
                 <a:solidFill>
                   <a:srgbClr val="000000"/>
                 </a:solidFill>
@@ -4882,11 +4510,8 @@
               </a:rPr>
               <a:t> of patients admitted into ICU in india had sepsis and one in three of these patients died ! (courtesy: livemint.com)</a:t>
             </a:r>
-            <a:endParaRPr b="0" lang="en-US" sz="3200" spc="-1" strike="noStrike">
-              <a:solidFill>
-                <a:srgbClr val="000000"/>
-              </a:solidFill>
-              <a:latin typeface="Calibri"/>
+            <a:endParaRPr b="0" lang="en-IN" sz="3200" spc="-1" strike="noStrike">
+              <a:latin typeface="Arial"/>
             </a:endParaRPr>
           </a:p>
         </p:txBody>
@@ -4923,14 +4548,14 @@
       </p:grpSpPr>
       <p:sp>
         <p:nvSpPr>
-          <p:cNvPr id="92" name="TextShape 1"/>
-          <p:cNvSpPr txBox="1"/>
+          <p:cNvPr id="86" name="CustomShape 1"/>
+          <p:cNvSpPr/>
           <p:nvPr/>
         </p:nvSpPr>
         <p:spPr>
           <a:xfrm>
             <a:off x="838080" y="365040"/>
-            <a:ext cx="10515240" cy="1325160"/>
+            <a:ext cx="10514880" cy="1324800"/>
           </a:xfrm>
           <a:prstGeom prst="rect">
             <a:avLst/>
@@ -4940,8 +4565,14 @@
             <a:noFill/>
           </a:ln>
         </p:spPr>
-        <p:txBody>
-          <a:bodyPr anchor="ctr">
+        <p:style>
+          <a:lnRef idx="0"/>
+          <a:fillRef idx="0"/>
+          <a:effectRef idx="0"/>
+          <a:fontRef idx="minor"/>
+        </p:style>
+        <p:txBody>
+          <a:bodyPr lIns="90000" rIns="90000" tIns="45000" bIns="45000" anchor="ctr">
             <a:noAutofit/>
           </a:bodyPr>
           <a:p>
@@ -4951,7 +4582,7 @@
               </a:lnSpc>
             </a:pPr>
             <a:r>
-              <a:rPr b="1" lang="en-US" sz="4800" spc="-1" strike="noStrike">
+              <a:rPr b="1" lang="en-IN" sz="4800" spc="-1" strike="noStrike">
                 <a:solidFill>
                   <a:srgbClr val="548235"/>
                 </a:solidFill>
@@ -4960,7 +4591,7 @@
               <a:t>Yes,</a:t>
             </a:r>
             <a:r>
-              <a:rPr b="0" lang="en-US" sz="4800" spc="-1" strike="noStrike">
+              <a:rPr b="0" lang="en-IN" sz="4800" spc="-1" strike="noStrike">
                 <a:solidFill>
                   <a:srgbClr val="000000"/>
                 </a:solidFill>
@@ -4969,7 +4600,7 @@
               <a:t> </a:t>
             </a:r>
             <a:r>
-              <a:rPr b="1" lang="en-US" sz="4800" spc="-1" strike="noStrike">
+              <a:rPr b="1" lang="en-IN" sz="4800" spc="-1" strike="noStrike">
                 <a:solidFill>
                   <a:srgbClr val="385623"/>
                 </a:solidFill>
@@ -4977,18 +4608,15 @@
               </a:rPr>
               <a:t>sepsis can be caused by covid19</a:t>
             </a:r>
-            <a:endParaRPr b="0" lang="en-US" sz="4800" spc="-1" strike="noStrike">
-              <a:solidFill>
-                <a:srgbClr val="000000"/>
-              </a:solidFill>
-              <a:latin typeface="Calibri"/>
+            <a:endParaRPr b="0" lang="en-IN" sz="4800" spc="-1" strike="noStrike">
+              <a:latin typeface="Arial"/>
             </a:endParaRPr>
           </a:p>
         </p:txBody>
       </p:sp>
       <p:pic>
         <p:nvPicPr>
-          <p:cNvPr id="93" name="Content Placeholder 3" descr=""/>
+          <p:cNvPr id="87" name="Content Placeholder 3" descr=""/>
           <p:cNvPicPr/>
           <p:nvPr/>
         </p:nvPicPr>
@@ -4999,7 +4627,7 @@
         <p:spPr>
           <a:xfrm>
             <a:off x="5679000" y="1690560"/>
-            <a:ext cx="5142240" cy="4276440"/>
+            <a:ext cx="5141880" cy="4276080"/>
           </a:xfrm>
           <a:prstGeom prst="rect">
             <a:avLst/>
@@ -5011,14 +4639,14 @@
       </p:pic>
       <p:sp>
         <p:nvSpPr>
-          <p:cNvPr id="94" name="CustomShape 2"/>
+          <p:cNvPr id="88" name="CustomShape 2"/>
           <p:cNvSpPr/>
           <p:nvPr/>
         </p:nvSpPr>
         <p:spPr>
           <a:xfrm>
             <a:off x="1031040" y="2490480"/>
-            <a:ext cx="4093920" cy="3075840"/>
+            <a:ext cx="4093560" cy="3075840"/>
           </a:xfrm>
           <a:prstGeom prst="rect">
             <a:avLst/>
@@ -5050,6 +4678,7 @@
                   <a:srgbClr val="ff0000"/>
                 </a:solidFill>
                 <a:latin typeface="Calibri"/>
+                <a:ea typeface="DejaVu Sans"/>
               </a:rPr>
               <a:t>Covid19 hijacks immune system and reprogram it to cause damage to host,</a:t>
             </a:r>
@@ -5069,6 +4698,7 @@
                   <a:srgbClr val="ff0000"/>
                 </a:solidFill>
                 <a:latin typeface="Calibri"/>
+                <a:ea typeface="DejaVu Sans"/>
               </a:rPr>
               <a:t>Which leads to organ failure and causes death</a:t>
             </a:r>
@@ -5110,14 +4740,14 @@
       </p:grpSpPr>
       <p:sp>
         <p:nvSpPr>
-          <p:cNvPr id="95" name="TextShape 1"/>
-          <p:cNvSpPr txBox="1"/>
+          <p:cNvPr id="89" name="CustomShape 1"/>
+          <p:cNvSpPr/>
           <p:nvPr/>
         </p:nvSpPr>
         <p:spPr>
           <a:xfrm>
             <a:off x="838080" y="365040"/>
-            <a:ext cx="10515240" cy="1325160"/>
+            <a:ext cx="10514880" cy="1324800"/>
           </a:xfrm>
           <a:prstGeom prst="rect">
             <a:avLst/>
@@ -5127,8 +4757,14 @@
             <a:noFill/>
           </a:ln>
         </p:spPr>
-        <p:txBody>
-          <a:bodyPr anchor="ctr">
+        <p:style>
+          <a:lnRef idx="0"/>
+          <a:fillRef idx="0"/>
+          <a:effectRef idx="0"/>
+          <a:fontRef idx="minor"/>
+        </p:style>
+        <p:txBody>
+          <a:bodyPr lIns="90000" rIns="90000" tIns="45000" bIns="45000" anchor="ctr">
             <a:noAutofit/>
           </a:bodyPr>
           <a:p>
@@ -5138,7 +4774,7 @@
               </a:lnSpc>
             </a:pPr>
             <a:r>
-              <a:rPr b="1" lang="en-US" sz="4400" spc="-1" strike="noStrike">
+              <a:rPr b="1" lang="en-IN" sz="4400" spc="-1" strike="noStrike">
                 <a:solidFill>
                   <a:srgbClr val="7030a0"/>
                 </a:solidFill>
@@ -5146,25 +4782,22 @@
               </a:rPr>
               <a:t>What about data  ?</a:t>
             </a:r>
-            <a:endParaRPr b="0" lang="en-US" sz="4400" spc="-1" strike="noStrike">
-              <a:solidFill>
-                <a:srgbClr val="000000"/>
-              </a:solidFill>
-              <a:latin typeface="Calibri"/>
-            </a:endParaRPr>
-          </a:p>
-        </p:txBody>
-      </p:sp>
-      <p:sp>
-        <p:nvSpPr>
-          <p:cNvPr id="96" name="TextShape 2"/>
-          <p:cNvSpPr txBox="1"/>
+            <a:endParaRPr b="0" lang="en-IN" sz="4400" spc="-1" strike="noStrike">
+              <a:latin typeface="Arial"/>
+            </a:endParaRPr>
+          </a:p>
+        </p:txBody>
+      </p:sp>
+      <p:sp>
+        <p:nvSpPr>
+          <p:cNvPr id="90" name="CustomShape 2"/>
+          <p:cNvSpPr/>
           <p:nvPr/>
         </p:nvSpPr>
         <p:spPr>
           <a:xfrm>
             <a:off x="838080" y="1690560"/>
-            <a:ext cx="10515240" cy="1557360"/>
+            <a:ext cx="10514880" cy="1557000"/>
           </a:xfrm>
           <a:prstGeom prst="rect">
             <a:avLst/>
@@ -5174,12 +4807,18 @@
             <a:noFill/>
           </a:ln>
         </p:spPr>
-        <p:txBody>
-          <a:bodyPr>
+        <p:style>
+          <a:lnRef idx="0"/>
+          <a:fillRef idx="0"/>
+          <a:effectRef idx="0"/>
+          <a:fontRef idx="minor"/>
+        </p:style>
+        <p:txBody>
+          <a:bodyPr lIns="90000" rIns="90000" tIns="45000" bIns="45000">
             <a:noAutofit/>
           </a:bodyPr>
           <a:p>
-            <a:pPr marL="228600" indent="-228240">
+            <a:pPr marL="228600" indent="-227880">
               <a:lnSpc>
                 <a:spcPct val="90000"/>
               </a:lnSpc>
@@ -5193,7 +4832,7 @@
               <a:buChar char="•"/>
             </a:pPr>
             <a:r>
-              <a:rPr b="0" lang="en-US" sz="3200" spc="-1" strike="noStrike">
+              <a:rPr b="0" lang="en-IN" sz="3200" spc="-1" strike="noStrike">
                 <a:solidFill>
                   <a:srgbClr val="000000"/>
                 </a:solidFill>
@@ -5201,11 +4840,8 @@
               </a:rPr>
               <a:t>MIMC III – dataset  is widely used internationally in areas such as academic and industrial research.</a:t>
             </a:r>
-            <a:endParaRPr b="0" lang="en-US" sz="3200" spc="-1" strike="noStrike">
-              <a:solidFill>
-                <a:srgbClr val="000000"/>
-              </a:solidFill>
-              <a:latin typeface="Calibri"/>
+            <a:endParaRPr b="0" lang="en-IN" sz="3200" spc="-1" strike="noStrike">
+              <a:latin typeface="Arial"/>
             </a:endParaRPr>
           </a:p>
           <a:p>
@@ -5217,18 +4853,15 @@
                 <a:spcPts val="1001"/>
               </a:spcBef>
             </a:pPr>
-            <a:endParaRPr b="0" lang="en-US" sz="3200" spc="-1" strike="noStrike">
-              <a:solidFill>
-                <a:srgbClr val="000000"/>
-              </a:solidFill>
-              <a:latin typeface="Calibri"/>
+            <a:endParaRPr b="0" lang="en-IN" sz="3200" spc="-1" strike="noStrike">
+              <a:latin typeface="Arial"/>
             </a:endParaRPr>
           </a:p>
         </p:txBody>
       </p:sp>
       <p:pic>
         <p:nvPicPr>
-          <p:cNvPr id="97" name="Picture 3" descr=""/>
+          <p:cNvPr id="91" name="Picture 3" descr=""/>
           <p:cNvPicPr/>
           <p:nvPr/>
         </p:nvPicPr>
@@ -5239,7 +4872,7 @@
         <p:spPr>
           <a:xfrm>
             <a:off x="1775520" y="3016080"/>
-            <a:ext cx="8640720" cy="3071160"/>
+            <a:ext cx="8640360" cy="3070800"/>
           </a:xfrm>
           <a:prstGeom prst="rect">
             <a:avLst/>
@@ -5285,14 +4918,14 @@
       </p:grpSpPr>
       <p:sp>
         <p:nvSpPr>
-          <p:cNvPr id="98" name="TextShape 1"/>
-          <p:cNvSpPr txBox="1"/>
+          <p:cNvPr id="92" name="CustomShape 1"/>
+          <p:cNvSpPr/>
           <p:nvPr/>
         </p:nvSpPr>
         <p:spPr>
           <a:xfrm>
             <a:off x="838080" y="365040"/>
-            <a:ext cx="10515240" cy="1325160"/>
+            <a:ext cx="10514880" cy="1324800"/>
           </a:xfrm>
           <a:prstGeom prst="rect">
             <a:avLst/>
@@ -5302,8 +4935,14 @@
             <a:noFill/>
           </a:ln>
         </p:spPr>
-        <p:txBody>
-          <a:bodyPr anchor="ctr">
+        <p:style>
+          <a:lnRef idx="0"/>
+          <a:fillRef idx="0"/>
+          <a:effectRef idx="0"/>
+          <a:fontRef idx="minor"/>
+        </p:style>
+        <p:txBody>
+          <a:bodyPr lIns="90000" rIns="90000" tIns="45000" bIns="45000" anchor="ctr">
             <a:noAutofit/>
           </a:bodyPr>
           <a:p>
@@ -5313,7 +4952,7 @@
               </a:lnSpc>
             </a:pPr>
             <a:r>
-              <a:rPr b="1" lang="en-US" sz="4400" spc="-1" strike="noStrike">
+              <a:rPr b="1" lang="en-IN" sz="4400" spc="-1" strike="noStrike">
                 <a:solidFill>
                   <a:srgbClr val="000000"/>
                 </a:solidFill>
@@ -5321,25 +4960,22 @@
               </a:rPr>
               <a:t>Tools used</a:t>
             </a:r>
-            <a:endParaRPr b="0" lang="en-US" sz="4400" spc="-1" strike="noStrike">
-              <a:solidFill>
-                <a:srgbClr val="000000"/>
-              </a:solidFill>
-              <a:latin typeface="Calibri"/>
-            </a:endParaRPr>
-          </a:p>
-        </p:txBody>
-      </p:sp>
-      <p:sp>
-        <p:nvSpPr>
-          <p:cNvPr id="99" name="TextShape 2"/>
-          <p:cNvSpPr txBox="1"/>
+            <a:endParaRPr b="0" lang="en-IN" sz="4400" spc="-1" strike="noStrike">
+              <a:latin typeface="Arial"/>
+            </a:endParaRPr>
+          </a:p>
+        </p:txBody>
+      </p:sp>
+      <p:sp>
+        <p:nvSpPr>
+          <p:cNvPr id="93" name="CustomShape 2"/>
+          <p:cNvSpPr/>
           <p:nvPr/>
         </p:nvSpPr>
         <p:spPr>
           <a:xfrm>
             <a:off x="838080" y="1825560"/>
-            <a:ext cx="10515240" cy="4350960"/>
+            <a:ext cx="10514880" cy="4350600"/>
           </a:xfrm>
           <a:prstGeom prst="rect">
             <a:avLst/>
@@ -5349,12 +4985,21 @@
             <a:noFill/>
           </a:ln>
         </p:spPr>
-        <p:txBody>
-          <a:bodyPr>
+        <p:style>
+          <a:lnRef idx="0"/>
+          <a:fillRef idx="0"/>
+          <a:effectRef idx="0"/>
+          <a:fontRef idx="minor"/>
+        </p:style>
+        <p:txBody>
+          <a:bodyPr lIns="90000" rIns="90000" tIns="45000" bIns="45000">
             <a:noAutofit/>
           </a:bodyPr>
           <a:p>
-            <a:pPr marL="749880" indent="-228600">
+            <a:pPr marL="749880" indent="-228240">
+              <a:lnSpc>
+                <a:spcPct val="100000"/>
+              </a:lnSpc>
               <a:buClr>
                 <a:srgbClr val="000000"/>
               </a:buClr>
@@ -5372,14 +5017,14 @@
               <a:t>Python language  version 3.6.0 or above</a:t>
             </a:r>
             <a:endParaRPr b="0" lang="en-IN" sz="2800" spc="-1" strike="noStrike">
-              <a:solidFill>
-                <a:srgbClr val="212529"/>
-              </a:solidFill>
-              <a:latin typeface="Times New Roman"/>
-            </a:endParaRPr>
-          </a:p>
-          <a:p>
-            <a:pPr marL="749880" indent="-228600">
+              <a:latin typeface="Arial"/>
+            </a:endParaRPr>
+          </a:p>
+          <a:p>
+            <a:pPr marL="749880" indent="-228240">
+              <a:lnSpc>
+                <a:spcPct val="100000"/>
+              </a:lnSpc>
               <a:buClr>
                 <a:srgbClr val="000000"/>
               </a:buClr>
@@ -5397,14 +5042,14 @@
               <a:t>Tensorflow framework 1.1.0 or above</a:t>
             </a:r>
             <a:endParaRPr b="0" lang="en-IN" sz="2800" spc="-1" strike="noStrike">
-              <a:solidFill>
-                <a:srgbClr val="212529"/>
-              </a:solidFill>
-              <a:latin typeface="Times New Roman"/>
-            </a:endParaRPr>
-          </a:p>
-          <a:p>
-            <a:pPr marL="749880" indent="-228600">
+              <a:latin typeface="Arial"/>
+            </a:endParaRPr>
+          </a:p>
+          <a:p>
+            <a:pPr marL="749880" indent="-228240">
+              <a:lnSpc>
+                <a:spcPct val="100000"/>
+              </a:lnSpc>
               <a:buClr>
                 <a:srgbClr val="000000"/>
               </a:buClr>
@@ -5422,14 +5067,14 @@
               <a:t>Postgresql database server </a:t>
             </a:r>
             <a:endParaRPr b="0" lang="en-IN" sz="2800" spc="-1" strike="noStrike">
-              <a:solidFill>
-                <a:srgbClr val="212529"/>
-              </a:solidFill>
-              <a:latin typeface="Times New Roman"/>
-            </a:endParaRPr>
-          </a:p>
-          <a:p>
-            <a:pPr marL="749880" indent="-228600">
+              <a:latin typeface="Arial"/>
+            </a:endParaRPr>
+          </a:p>
+          <a:p>
+            <a:pPr marL="749880" indent="-228240">
+              <a:lnSpc>
+                <a:spcPct val="100000"/>
+              </a:lnSpc>
               <a:buClr>
                 <a:srgbClr val="000000"/>
               </a:buClr>
@@ -5447,14 +5092,39 @@
               <a:t>GPU if available to increase the computation speed</a:t>
             </a:r>
             <a:endParaRPr b="0" lang="en-IN" sz="2800" spc="-1" strike="noStrike">
-              <a:solidFill>
-                <a:srgbClr val="212529"/>
-              </a:solidFill>
-              <a:latin typeface="Times New Roman"/>
-            </a:endParaRPr>
-          </a:p>
-          <a:p>
-            <a:pPr marL="749880" indent="-228600">
+              <a:latin typeface="Arial"/>
+            </a:endParaRPr>
+          </a:p>
+          <a:p>
+            <a:pPr marL="749880" indent="-228240">
+              <a:lnSpc>
+                <a:spcPct val="100000"/>
+              </a:lnSpc>
+              <a:buClr>
+                <a:srgbClr val="000000"/>
+              </a:buClr>
+              <a:buSzPct val="45000"/>
+              <a:buFont typeface="Wingdings" charset="2"/>
+              <a:buChar char=""/>
+            </a:pPr>
+            <a:r>
+              <a:rPr b="0" lang="en-IN" sz="2800" spc="-1" strike="noStrike">
+                <a:solidFill>
+                  <a:srgbClr val="000000"/>
+                </a:solidFill>
+                <a:latin typeface="Calibri"/>
+              </a:rPr>
+              <a:t>DeepLearning4j and ND4j</a:t>
+            </a:r>
+            <a:endParaRPr b="0" lang="en-IN" sz="2800" spc="-1" strike="noStrike">
+              <a:latin typeface="Arial"/>
+            </a:endParaRPr>
+          </a:p>
+          <a:p>
+            <a:pPr marL="749880" indent="-228240">
+              <a:lnSpc>
+                <a:spcPct val="100000"/>
+              </a:lnSpc>
               <a:buClr>
                 <a:srgbClr val="000000"/>
               </a:buClr>
@@ -5472,14 +5142,14 @@
               <a:t>Github</a:t>
             </a:r>
             <a:endParaRPr b="0" lang="en-IN" sz="2800" spc="-1" strike="noStrike">
-              <a:solidFill>
-                <a:srgbClr val="212529"/>
-              </a:solidFill>
-              <a:latin typeface="Times New Roman"/>
-            </a:endParaRPr>
-          </a:p>
-          <a:p>
-            <a:pPr marL="749880" indent="-228600">
+              <a:latin typeface="Arial"/>
+            </a:endParaRPr>
+          </a:p>
+          <a:p>
+            <a:pPr marL="749880" indent="-228240">
+              <a:lnSpc>
+                <a:spcPct val="100000"/>
+              </a:lnSpc>
               <a:buClr>
                 <a:srgbClr val="000000"/>
               </a:buClr>
@@ -5497,14 +5167,14 @@
               <a:t>Servlets &amp; JSP</a:t>
             </a:r>
             <a:endParaRPr b="0" lang="en-IN" sz="2800" spc="-1" strike="noStrike">
-              <a:solidFill>
-                <a:srgbClr val="212529"/>
-              </a:solidFill>
-              <a:latin typeface="Times New Roman"/>
-            </a:endParaRPr>
-          </a:p>
-          <a:p>
-            <a:pPr marL="749880" indent="-228600">
+              <a:latin typeface="Arial"/>
+            </a:endParaRPr>
+          </a:p>
+          <a:p>
+            <a:pPr marL="749880" indent="-228240">
+              <a:lnSpc>
+                <a:spcPct val="100000"/>
+              </a:lnSpc>
               <a:buClr>
                 <a:srgbClr val="000000"/>
               </a:buClr>
@@ -5522,14 +5192,14 @@
               <a:t>HTML, CSS, JS</a:t>
             </a:r>
             <a:endParaRPr b="0" lang="en-IN" sz="2800" spc="-1" strike="noStrike">
-              <a:solidFill>
-                <a:srgbClr val="212529"/>
-              </a:solidFill>
-              <a:latin typeface="Times New Roman"/>
-            </a:endParaRPr>
-          </a:p>
-          <a:p>
-            <a:pPr marL="749880" indent="-228600">
+              <a:latin typeface="Arial"/>
+            </a:endParaRPr>
+          </a:p>
+          <a:p>
+            <a:pPr marL="749880" indent="-228240">
+              <a:lnSpc>
+                <a:spcPct val="100000"/>
+              </a:lnSpc>
               <a:buClr>
                 <a:srgbClr val="000000"/>
               </a:buClr>
@@ -5547,10 +5217,7 @@
               <a:t>Bootstrap, Jquery, AJAX</a:t>
             </a:r>
             <a:endParaRPr b="0" lang="en-IN" sz="2800" spc="-1" strike="noStrike">
-              <a:solidFill>
-                <a:srgbClr val="212529"/>
-              </a:solidFill>
-              <a:latin typeface="Times New Roman"/>
+              <a:latin typeface="Arial"/>
             </a:endParaRPr>
           </a:p>
         </p:txBody>
@@ -5587,14 +5254,14 @@
       </p:grpSpPr>
       <p:sp>
         <p:nvSpPr>
-          <p:cNvPr id="100" name="TextShape 1"/>
-          <p:cNvSpPr txBox="1"/>
+          <p:cNvPr id="94" name="CustomShape 1"/>
+          <p:cNvSpPr/>
           <p:nvPr/>
         </p:nvSpPr>
         <p:spPr>
           <a:xfrm>
             <a:off x="838080" y="365040"/>
-            <a:ext cx="10515240" cy="1325160"/>
+            <a:ext cx="10514880" cy="1324800"/>
           </a:xfrm>
           <a:prstGeom prst="rect">
             <a:avLst/>
@@ -5604,8 +5271,14 @@
             <a:noFill/>
           </a:ln>
         </p:spPr>
-        <p:txBody>
-          <a:bodyPr anchor="ctr">
+        <p:style>
+          <a:lnRef idx="0"/>
+          <a:fillRef idx="0"/>
+          <a:effectRef idx="0"/>
+          <a:fontRef idx="minor"/>
+        </p:style>
+        <p:txBody>
+          <a:bodyPr lIns="90000" rIns="90000" tIns="45000" bIns="45000" anchor="ctr">
             <a:normAutofit/>
           </a:bodyPr>
           <a:p>
@@ -5615,7 +5288,7 @@
               </a:lnSpc>
             </a:pPr>
             <a:r>
-              <a:rPr b="1" lang="en-US" sz="4000" spc="-1" strike="noStrike">
+              <a:rPr b="1" lang="en-IN" sz="4000" spc="-1" strike="noStrike">
                 <a:solidFill>
                   <a:srgbClr val="000000"/>
                 </a:solidFill>
@@ -5623,25 +5296,22 @@
               </a:rPr>
               <a:t>Finding meaningful data</a:t>
             </a:r>
-            <a:endParaRPr b="0" lang="en-US" sz="4000" spc="-1" strike="noStrike">
-              <a:solidFill>
-                <a:srgbClr val="000000"/>
-              </a:solidFill>
-              <a:latin typeface="Calibri"/>
-            </a:endParaRPr>
-          </a:p>
-        </p:txBody>
-      </p:sp>
-      <p:sp>
-        <p:nvSpPr>
-          <p:cNvPr id="101" name="TextShape 2"/>
-          <p:cNvSpPr txBox="1"/>
+            <a:endParaRPr b="0" lang="en-IN" sz="4000" spc="-1" strike="noStrike">
+              <a:latin typeface="Arial"/>
+            </a:endParaRPr>
+          </a:p>
+        </p:txBody>
+      </p:sp>
+      <p:sp>
+        <p:nvSpPr>
+          <p:cNvPr id="95" name="CustomShape 2"/>
+          <p:cNvSpPr/>
           <p:nvPr/>
         </p:nvSpPr>
         <p:spPr>
           <a:xfrm>
             <a:off x="838080" y="1825560"/>
-            <a:ext cx="10515240" cy="4350960"/>
+            <a:ext cx="10514880" cy="4350600"/>
           </a:xfrm>
           <a:prstGeom prst="rect">
             <a:avLst/>
@@ -5651,12 +5321,18 @@
             <a:noFill/>
           </a:ln>
         </p:spPr>
-        <p:txBody>
-          <a:bodyPr>
+        <p:style>
+          <a:lnRef idx="0"/>
+          <a:fillRef idx="0"/>
+          <a:effectRef idx="0"/>
+          <a:fontRef idx="minor"/>
+        </p:style>
+        <p:txBody>
+          <a:bodyPr lIns="90000" rIns="90000" tIns="45000" bIns="45000">
             <a:noAutofit/>
           </a:bodyPr>
           <a:p>
-            <a:pPr marL="228600" indent="-228240">
+            <a:pPr marL="228600" indent="-227880">
               <a:lnSpc>
                 <a:spcPct val="90000"/>
               </a:lnSpc>
@@ -5670,7 +5346,7 @@
               <a:buChar char="•"/>
             </a:pPr>
             <a:r>
-              <a:rPr b="0" lang="en-US" sz="2800" spc="-1" strike="noStrike">
+              <a:rPr b="0" lang="en-IN" sz="2800" spc="-1" strike="noStrike">
                 <a:solidFill>
                   <a:srgbClr val="000000"/>
                 </a:solidFill>
@@ -5678,11 +5354,8 @@
               </a:rPr>
               <a:t>From few research papers we concluded that from this huge pile of only 96 parameters which includes urinal data , ICU readings , gases dissolved in blood , compounds in blood etc.</a:t>
             </a:r>
-            <a:endParaRPr b="0" lang="en-US" sz="2800" spc="-1" strike="noStrike">
-              <a:solidFill>
-                <a:srgbClr val="000000"/>
-              </a:solidFill>
-              <a:latin typeface="Calibri"/>
+            <a:endParaRPr b="0" lang="en-IN" sz="2800" spc="-1" strike="noStrike">
+              <a:latin typeface="Arial"/>
             </a:endParaRPr>
           </a:p>
           <a:p>
@@ -5694,15 +5367,12 @@
                 <a:spcPts val="1001"/>
               </a:spcBef>
             </a:pPr>
-            <a:endParaRPr b="0" lang="en-US" sz="2800" spc="-1" strike="noStrike">
-              <a:solidFill>
-                <a:srgbClr val="000000"/>
-              </a:solidFill>
-              <a:latin typeface="Calibri"/>
-            </a:endParaRPr>
-          </a:p>
-          <a:p>
-            <a:pPr marL="228600" indent="-228240">
+            <a:endParaRPr b="0" lang="en-IN" sz="2800" spc="-1" strike="noStrike">
+              <a:latin typeface="Arial"/>
+            </a:endParaRPr>
+          </a:p>
+          <a:p>
+            <a:pPr marL="228600" indent="-227880">
               <a:lnSpc>
                 <a:spcPct val="90000"/>
               </a:lnSpc>
@@ -5716,7 +5386,7 @@
               <a:buChar char="•"/>
             </a:pPr>
             <a:r>
-              <a:rPr b="0" lang="en-US" sz="2800" spc="-1" strike="noStrike">
+              <a:rPr b="0" lang="en-IN" sz="2800" spc="-1" strike="noStrike">
                 <a:solidFill>
                   <a:srgbClr val="000000"/>
                 </a:solidFill>
@@ -5724,11 +5394,8 @@
               </a:rPr>
               <a:t>Running SQL to find patients who had sepsis and storing it locally.</a:t>
             </a:r>
-            <a:endParaRPr b="0" lang="en-US" sz="2800" spc="-1" strike="noStrike">
-              <a:solidFill>
-                <a:srgbClr val="000000"/>
-              </a:solidFill>
-              <a:latin typeface="Calibri"/>
+            <a:endParaRPr b="0" lang="en-IN" sz="2800" spc="-1" strike="noStrike">
+              <a:latin typeface="Arial"/>
             </a:endParaRPr>
           </a:p>
         </p:txBody>
@@ -5765,14 +5432,14 @@
       </p:grpSpPr>
       <p:sp>
         <p:nvSpPr>
-          <p:cNvPr id="102" name="TextShape 1"/>
-          <p:cNvSpPr txBox="1"/>
+          <p:cNvPr id="96" name="CustomShape 1"/>
+          <p:cNvSpPr/>
           <p:nvPr/>
         </p:nvSpPr>
         <p:spPr>
           <a:xfrm>
             <a:off x="838080" y="365040"/>
-            <a:ext cx="10515240" cy="1325160"/>
+            <a:ext cx="10514880" cy="1324800"/>
           </a:xfrm>
           <a:prstGeom prst="rect">
             <a:avLst/>
@@ -5782,8 +5449,14 @@
             <a:noFill/>
           </a:ln>
         </p:spPr>
-        <p:txBody>
-          <a:bodyPr anchor="ctr">
+        <p:style>
+          <a:lnRef idx="0"/>
+          <a:fillRef idx="0"/>
+          <a:effectRef idx="0"/>
+          <a:fontRef idx="minor"/>
+        </p:style>
+        <p:txBody>
+          <a:bodyPr lIns="90000" rIns="90000" tIns="45000" bIns="45000" anchor="ctr">
             <a:noAutofit/>
           </a:bodyPr>
           <a:p>
@@ -5793,7 +5466,7 @@
               </a:lnSpc>
             </a:pPr>
             <a:r>
-              <a:rPr b="1" lang="en-US" sz="4400" spc="-1" strike="noStrike">
+              <a:rPr b="1" lang="en-IN" sz="4400" spc="-1" strike="noStrike">
                 <a:solidFill>
                   <a:srgbClr val="002060"/>
                 </a:solidFill>
@@ -5801,25 +5474,22 @@
               </a:rPr>
               <a:t>How it works </a:t>
             </a:r>
-            <a:endParaRPr b="0" lang="en-US" sz="4400" spc="-1" strike="noStrike">
-              <a:solidFill>
-                <a:srgbClr val="000000"/>
-              </a:solidFill>
-              <a:latin typeface="Calibri"/>
-            </a:endParaRPr>
-          </a:p>
-        </p:txBody>
-      </p:sp>
-      <p:sp>
-        <p:nvSpPr>
-          <p:cNvPr id="103" name="TextShape 2"/>
-          <p:cNvSpPr txBox="1"/>
+            <a:endParaRPr b="0" lang="en-IN" sz="4400" spc="-1" strike="noStrike">
+              <a:latin typeface="Arial"/>
+            </a:endParaRPr>
+          </a:p>
+        </p:txBody>
+      </p:sp>
+      <p:sp>
+        <p:nvSpPr>
+          <p:cNvPr id="97" name="CustomShape 2"/>
+          <p:cNvSpPr/>
           <p:nvPr/>
         </p:nvSpPr>
         <p:spPr>
           <a:xfrm>
             <a:off x="838080" y="1825560"/>
-            <a:ext cx="6206040" cy="4350960"/>
+            <a:ext cx="6205680" cy="4350600"/>
           </a:xfrm>
           <a:prstGeom prst="rect">
             <a:avLst/>
@@ -5829,12 +5499,18 @@
             <a:noFill/>
           </a:ln>
         </p:spPr>
-        <p:txBody>
-          <a:bodyPr>
+        <p:style>
+          <a:lnRef idx="0"/>
+          <a:fillRef idx="0"/>
+          <a:effectRef idx="0"/>
+          <a:fontRef idx="minor"/>
+        </p:style>
+        <p:txBody>
+          <a:bodyPr lIns="90000" rIns="90000" tIns="45000" bIns="45000">
             <a:noAutofit/>
           </a:bodyPr>
           <a:p>
-            <a:pPr marL="228600" indent="-228240">
+            <a:pPr marL="228600" indent="-227880">
               <a:lnSpc>
                 <a:spcPct val="90000"/>
               </a:lnSpc>
@@ -5848,7 +5524,7 @@
               <a:buChar char="•"/>
             </a:pPr>
             <a:r>
-              <a:rPr b="0" lang="en-US" sz="2800" spc="-1" strike="noStrike">
+              <a:rPr b="0" lang="en-IN" sz="2800" spc="-1" strike="noStrike">
                 <a:solidFill>
                   <a:srgbClr val="000000"/>
                 </a:solidFill>
@@ -5856,15 +5532,12 @@
               </a:rPr>
               <a:t>We made 6 layer deep neural network model which takes 96 parameters from stored CSV file.</a:t>
             </a:r>
-            <a:endParaRPr b="0" lang="en-US" sz="2800" spc="-1" strike="noStrike">
-              <a:solidFill>
-                <a:srgbClr val="000000"/>
-              </a:solidFill>
-              <a:latin typeface="Calibri"/>
-            </a:endParaRPr>
-          </a:p>
-          <a:p>
-            <a:pPr marL="228600" indent="-228240">
+            <a:endParaRPr b="0" lang="en-IN" sz="2800" spc="-1" strike="noStrike">
+              <a:latin typeface="Arial"/>
+            </a:endParaRPr>
+          </a:p>
+          <a:p>
+            <a:pPr marL="228600" indent="-227880">
               <a:lnSpc>
                 <a:spcPct val="90000"/>
               </a:lnSpc>
@@ -5878,7 +5551,7 @@
               <a:buChar char="•"/>
             </a:pPr>
             <a:r>
-              <a:rPr b="0" lang="en-US" sz="2800" spc="-1" strike="noStrike">
+              <a:rPr b="0" lang="en-IN" sz="2800" spc="-1" strike="noStrike">
                 <a:solidFill>
                   <a:srgbClr val="000000"/>
                 </a:solidFill>
@@ -5886,18 +5559,15 @@
               </a:rPr>
               <a:t>We used 80% data for training and 20% for testing. </a:t>
             </a:r>
-            <a:endParaRPr b="0" lang="en-US" sz="2800" spc="-1" strike="noStrike">
-              <a:solidFill>
-                <a:srgbClr val="000000"/>
-              </a:solidFill>
-              <a:latin typeface="Calibri"/>
+            <a:endParaRPr b="0" lang="en-IN" sz="2800" spc="-1" strike="noStrike">
+              <a:latin typeface="Arial"/>
             </a:endParaRPr>
           </a:p>
         </p:txBody>
       </p:sp>
       <p:pic>
         <p:nvPicPr>
-          <p:cNvPr id="104" name="Picture 7" descr=""/>
+          <p:cNvPr id="98" name="Picture 7" descr=""/>
           <p:cNvPicPr/>
           <p:nvPr/>
         </p:nvPicPr>
@@ -5908,7 +5578,7 @@
         <p:spPr>
           <a:xfrm>
             <a:off x="7639200" y="365040"/>
-            <a:ext cx="3406320" cy="6015960"/>
+            <a:ext cx="3405960" cy="6015600"/>
           </a:xfrm>
           <a:prstGeom prst="rect">
             <a:avLst/>
@@ -5921,7 +5591,7 @@
     </p:spTree>
   </p:cSld>
   <p:transition spd="slow">
-    <p:cover dir="r"/>
+    <p:cover dir="l"/>
   </p:transition>
 </p:sld>
 </file>
